--- a/ppt/2_进程切换.pptx
+++ b/ppt/2_进程切换.pptx
@@ -228,7 +228,7 @@
           <a:p>
             <a:fld id="{25239B2F-0F50-4DD2-AFF0-5AD65435FA39}" type="datetimeFigureOut">
               <a:rPr lang="zh-CN" altLang="en-US" smtClean="0"/>
-              <a:t>2025/03/08</a:t>
+              <a:t>2025/03/09</a:t>
             </a:fld>
             <a:endParaRPr lang="zh-CN" altLang="en-US"/>
           </a:p>
@@ -406,7 +406,7 @@
           <a:p>
             <a:fld id="{F3F10C42-C15F-4A21-90B7-1EA21CFD4452}" type="datetimeFigureOut">
               <a:rPr lang="zh-CN" altLang="en-US" smtClean="0"/>
-              <a:t>2025/03/08</a:t>
+              <a:t>2025/03/09</a:t>
             </a:fld>
             <a:endParaRPr lang="zh-CN" altLang="en-US"/>
           </a:p>
@@ -1009,7 +1009,7 @@
           <a:p>
             <a:fld id="{AE214366-5FB2-49C3-BB65-B979D2FAD098}" type="datetime1">
               <a:rPr lang="zh-CN" altLang="en-US" smtClean="0"/>
-              <a:t>2025/03/08</a:t>
+              <a:t>2025/03/09</a:t>
             </a:fld>
             <a:endParaRPr lang="zh-CN" altLang="en-US"/>
           </a:p>
@@ -1217,7 +1217,7 @@
           <a:p>
             <a:fld id="{04BC6C44-F673-46E9-8025-7385D4D32FDE}" type="datetime1">
               <a:rPr lang="zh-CN" altLang="en-US" smtClean="0"/>
-              <a:t>2025/03/08</a:t>
+              <a:t>2025/03/09</a:t>
             </a:fld>
             <a:endParaRPr lang="zh-CN" altLang="en-US"/>
           </a:p>
@@ -1761,7 +1761,7 @@
           <a:p>
             <a:fld id="{2B70573D-5408-47A7-B81F-E30CA5085A27}" type="datetime1">
               <a:rPr lang="zh-CN" altLang="en-US" smtClean="0"/>
-              <a:t>2025/03/08</a:t>
+              <a:t>2025/03/09</a:t>
             </a:fld>
             <a:endParaRPr lang="zh-CN" altLang="en-US"/>
           </a:p>
@@ -2026,7 +2026,7 @@
           <a:p>
             <a:fld id="{62468019-71FB-4D17-9B3C-F6A5314A34D2}" type="datetime1">
               <a:rPr lang="zh-CN" altLang="en-US" smtClean="0"/>
-              <a:t>2025/03/08</a:t>
+              <a:t>2025/03/09</a:t>
             </a:fld>
             <a:endParaRPr lang="zh-CN" altLang="en-US"/>
           </a:p>
@@ -2438,7 +2438,7 @@
           <a:p>
             <a:fld id="{4AB419BE-49FF-45D0-B257-7BC605413B3A}" type="datetime1">
               <a:rPr lang="zh-CN" altLang="en-US" smtClean="0"/>
-              <a:t>2025/03/08</a:t>
+              <a:t>2025/03/09</a:t>
             </a:fld>
             <a:endParaRPr lang="zh-CN" altLang="en-US"/>
           </a:p>
@@ -2579,7 +2579,7 @@
           <a:p>
             <a:fld id="{6319E9FC-0AA5-46B6-8E94-55EADC6DCFFF}" type="datetime1">
               <a:rPr lang="zh-CN" altLang="en-US" smtClean="0"/>
-              <a:t>2025/03/08</a:t>
+              <a:t>2025/03/09</a:t>
             </a:fld>
             <a:endParaRPr lang="zh-CN" altLang="en-US"/>
           </a:p>
@@ -2692,7 +2692,7 @@
           <a:p>
             <a:fld id="{FCFA6577-5736-496A-8F6D-C0BE13E9BEE0}" type="datetime1">
               <a:rPr lang="zh-CN" altLang="en-US" smtClean="0"/>
-              <a:t>2025/03/08</a:t>
+              <a:t>2025/03/09</a:t>
             </a:fld>
             <a:endParaRPr lang="zh-CN" altLang="en-US"/>
           </a:p>
@@ -3003,7 +3003,7 @@
           <a:p>
             <a:fld id="{10D62EDE-3CF3-4C9B-9666-764136C001DF}" type="datetime1">
               <a:rPr lang="zh-CN" altLang="en-US" smtClean="0"/>
-              <a:t>2025/03/08</a:t>
+              <a:t>2025/03/09</a:t>
             </a:fld>
             <a:endParaRPr lang="zh-CN" altLang="en-US"/>
           </a:p>
@@ -3291,7 +3291,7 @@
           <a:p>
             <a:fld id="{E31DF0E5-AB3E-4E91-8924-10EB10A38894}" type="datetime1">
               <a:rPr lang="zh-CN" altLang="en-US" smtClean="0"/>
-              <a:t>2025/03/08</a:t>
+              <a:t>2025/03/09</a:t>
             </a:fld>
             <a:endParaRPr lang="zh-CN" altLang="en-US"/>
           </a:p>
@@ -3532,7 +3532,7 @@
           <a:p>
             <a:fld id="{2E8DB3C8-7D21-4109-A2E4-E02A745546D7}" type="datetime1">
               <a:rPr lang="zh-CN" altLang="en-US" smtClean="0"/>
-              <a:t>2025/03/08</a:t>
+              <a:t>2025/03/09</a:t>
             </a:fld>
             <a:endParaRPr lang="zh-CN" altLang="en-US"/>
           </a:p>
@@ -6143,6 +6143,36 @@
           </a:p>
         </p:txBody>
       </p:sp>
+      <p:pic>
+        <p:nvPicPr>
+          <p:cNvPr id="6" name="图片 5">
+            <a:extLst>
+              <a:ext uri="{FF2B5EF4-FFF2-40B4-BE49-F238E27FC236}">
+                <a16:creationId xmlns:a16="http://schemas.microsoft.com/office/drawing/2014/main" id="{367C5E05-5767-B40E-CF24-7CDC380A8D51}"/>
+              </a:ext>
+            </a:extLst>
+          </p:cNvPr>
+          <p:cNvPicPr>
+            <a:picLocks noChangeAspect="1"/>
+          </p:cNvPicPr>
+          <p:nvPr/>
+        </p:nvPicPr>
+        <p:blipFill>
+          <a:blip r:embed="rId2"/>
+          <a:stretch>
+            <a:fillRect/>
+          </a:stretch>
+        </p:blipFill>
+        <p:spPr>
+          <a:xfrm>
+            <a:off x="1003024" y="4848389"/>
+            <a:ext cx="8953500" cy="1819275"/>
+          </a:xfrm>
+          <a:prstGeom prst="rect">
+            <a:avLst/>
+          </a:prstGeom>
+        </p:spPr>
+      </p:pic>
     </p:spTree>
     <p:extLst>
       <p:ext uri="{BB962C8B-B14F-4D97-AF65-F5344CB8AC3E}">

--- a/ppt/2_进程切换.pptx
+++ b/ppt/2_进程切换.pptx
@@ -5,10 +5,10 @@
     <p:sldMasterId id="2147483648" r:id="rId1"/>
   </p:sldMasterIdLst>
   <p:notesMasterIdLst>
-    <p:notesMasterId r:id="rId16"/>
+    <p:notesMasterId r:id="rId21"/>
   </p:notesMasterIdLst>
   <p:handoutMasterIdLst>
-    <p:handoutMasterId r:id="rId17"/>
+    <p:handoutMasterId r:id="rId22"/>
   </p:handoutMasterIdLst>
   <p:sldIdLst>
     <p:sldId id="256" r:id="rId2"/>
@@ -16,15 +16,20 @@
     <p:sldId id="258" r:id="rId4"/>
     <p:sldId id="259" r:id="rId5"/>
     <p:sldId id="260" r:id="rId6"/>
-    <p:sldId id="269" r:id="rId7"/>
-    <p:sldId id="261" r:id="rId8"/>
-    <p:sldId id="262" r:id="rId9"/>
-    <p:sldId id="263" r:id="rId10"/>
-    <p:sldId id="264" r:id="rId11"/>
-    <p:sldId id="265" r:id="rId12"/>
-    <p:sldId id="266" r:id="rId13"/>
-    <p:sldId id="267" r:id="rId14"/>
-    <p:sldId id="268" r:id="rId15"/>
+    <p:sldId id="270" r:id="rId7"/>
+    <p:sldId id="271" r:id="rId8"/>
+    <p:sldId id="272" r:id="rId9"/>
+    <p:sldId id="273" r:id="rId10"/>
+    <p:sldId id="274" r:id="rId11"/>
+    <p:sldId id="269" r:id="rId12"/>
+    <p:sldId id="261" r:id="rId13"/>
+    <p:sldId id="262" r:id="rId14"/>
+    <p:sldId id="263" r:id="rId15"/>
+    <p:sldId id="264" r:id="rId16"/>
+    <p:sldId id="265" r:id="rId17"/>
+    <p:sldId id="266" r:id="rId18"/>
+    <p:sldId id="267" r:id="rId19"/>
+    <p:sldId id="268" r:id="rId20"/>
   </p:sldIdLst>
   <p:sldSz cx="12192000" cy="6858000"/>
   <p:notesSz cx="6858000" cy="9144000"/>
@@ -4078,7 +4083,7 @@
           <p:cNvPr id="2" name="标题 1">
             <a:extLst>
               <a:ext uri="{FF2B5EF4-FFF2-40B4-BE49-F238E27FC236}">
-                <a16:creationId xmlns:a16="http://schemas.microsoft.com/office/drawing/2014/main" id="{F6C66B21-64E8-F841-3411-7D8E0CFA83B0}"/>
+                <a16:creationId xmlns:a16="http://schemas.microsoft.com/office/drawing/2014/main" id="{42F518C6-7DD3-01FA-86BC-88A58129E40A}"/>
               </a:ext>
             </a:extLst>
           </p:cNvPr>
@@ -4100,11 +4105,11 @@
             </a:r>
             <a:r>
               <a:rPr lang="en-US" altLang="zh-CN" dirty="0"/>
-              <a:t>2</a:t>
-            </a:r>
-            <a:r>
-              <a:rPr lang="zh-CN" altLang="en-US" dirty="0"/>
-              <a:t>：在进程间切换</a:t>
+              <a:t>1</a:t>
+            </a:r>
+            <a:r>
+              <a:rPr lang="zh-CN" altLang="en-US" dirty="0"/>
+              <a:t>：受限制的操作</a:t>
             </a:r>
           </a:p>
         </p:txBody>
@@ -4114,7 +4119,7 @@
           <p:cNvPr id="3" name="内容占位符 2">
             <a:extLst>
               <a:ext uri="{FF2B5EF4-FFF2-40B4-BE49-F238E27FC236}">
-                <a16:creationId xmlns:a16="http://schemas.microsoft.com/office/drawing/2014/main" id="{0A482C7C-D53D-636C-2522-B2DEDB59F0A9}"/>
+                <a16:creationId xmlns:a16="http://schemas.microsoft.com/office/drawing/2014/main" id="{7FF25F25-DD7E-D2BB-1F0F-FD8DF26ABE5B}"/>
               </a:ext>
             </a:extLst>
           </p:cNvPr>
@@ -4130,73 +4135,7 @@
           <a:bodyPr/>
           <a:lstStyle/>
           <a:p>
-            <a:r>
-              <a:rPr lang="zh-CN" altLang="en-US" dirty="0"/>
-              <a:t>看起来很简单？</a:t>
-            </a:r>
-            <a:endParaRPr lang="en-US" altLang="zh-CN" dirty="0"/>
-          </a:p>
-          <a:p>
-            <a:pPr lvl="1"/>
-            <a:r>
-              <a:rPr lang="zh-CN" altLang="en-US" dirty="0"/>
-              <a:t>如果一个进程在</a:t>
-            </a:r>
-            <a:r>
-              <a:rPr lang="en-US" altLang="zh-CN" dirty="0"/>
-              <a:t>CPU</a:t>
-            </a:r>
-            <a:r>
-              <a:rPr lang="zh-CN" altLang="en-US" dirty="0"/>
-              <a:t>上运行，</a:t>
-            </a:r>
-            <a:r>
-              <a:rPr lang="en-US" altLang="zh-CN" dirty="0"/>
-              <a:t>OS</a:t>
-            </a:r>
-            <a:r>
-              <a:rPr lang="zh-CN" altLang="en-US" dirty="0"/>
-              <a:t>没有在运行，也就意味着无法做任何事情，包括进程切换</a:t>
-            </a:r>
-            <a:endParaRPr lang="en-US" altLang="zh-CN" dirty="0"/>
-          </a:p>
-          <a:p>
-            <a:r>
-              <a:rPr lang="zh-CN" altLang="en-US" dirty="0"/>
-              <a:t>关键问题：</a:t>
-            </a:r>
-            <a:r>
-              <a:rPr lang="en-US" altLang="zh-CN" dirty="0"/>
-              <a:t>OS</a:t>
-            </a:r>
-            <a:r>
-              <a:rPr lang="zh-CN" altLang="en-US" dirty="0"/>
-              <a:t>如何重新获取</a:t>
-            </a:r>
-            <a:r>
-              <a:rPr lang="en-US" altLang="zh-CN" dirty="0"/>
-              <a:t>CPU</a:t>
-            </a:r>
-            <a:r>
-              <a:rPr lang="zh-CN" altLang="en-US" dirty="0"/>
-              <a:t>的控制权？</a:t>
-            </a:r>
-            <a:endParaRPr lang="en-US" altLang="zh-CN" dirty="0"/>
-          </a:p>
-          <a:p>
-            <a:pPr lvl="1"/>
-            <a:r>
-              <a:rPr lang="zh-CN" altLang="en-US" dirty="0"/>
-              <a:t>协作方式</a:t>
-            </a:r>
-            <a:endParaRPr lang="en-US" altLang="zh-CN" dirty="0"/>
-          </a:p>
-          <a:p>
-            <a:pPr lvl="1"/>
-            <a:r>
-              <a:rPr lang="zh-CN" altLang="en-US" dirty="0"/>
-              <a:t>非协作方式</a:t>
-            </a:r>
+            <a:endParaRPr lang="zh-CN" altLang="en-US"/>
           </a:p>
         </p:txBody>
       </p:sp>
@@ -4205,7 +4144,7 @@
           <p:cNvPr id="4" name="灯片编号占位符 3">
             <a:extLst>
               <a:ext uri="{FF2B5EF4-FFF2-40B4-BE49-F238E27FC236}">
-                <a16:creationId xmlns:a16="http://schemas.microsoft.com/office/drawing/2014/main" id="{8DB29F31-1DF6-901D-A1AA-62C083F1FF50}"/>
+                <a16:creationId xmlns:a16="http://schemas.microsoft.com/office/drawing/2014/main" id="{F8477097-C306-B412-1750-5AB37532BB82}"/>
               </a:ext>
             </a:extLst>
           </p:cNvPr>
@@ -4222,7 +4161,7 @@
           <a:lstStyle/>
           <a:p>
             <a:r>
-              <a:rPr lang="zh-CN" altLang="en-US" dirty="0"/>
+              <a:rPr lang="zh-CN" altLang="en-US"/>
               <a:t>计算机操作系统                     </a:t>
             </a:r>
             <a:fld id="{2109AC4C-C6B9-4211-8A17-43C623583010}" type="slidenum">
@@ -4234,10 +4173,40 @@
           </a:p>
         </p:txBody>
       </p:sp>
+      <p:pic>
+        <p:nvPicPr>
+          <p:cNvPr id="6" name="图片 5">
+            <a:extLst>
+              <a:ext uri="{FF2B5EF4-FFF2-40B4-BE49-F238E27FC236}">
+                <a16:creationId xmlns:a16="http://schemas.microsoft.com/office/drawing/2014/main" id="{472BD407-1BFB-0A61-ACB1-8270E9501065}"/>
+              </a:ext>
+            </a:extLst>
+          </p:cNvPr>
+          <p:cNvPicPr>
+            <a:picLocks noChangeAspect="1"/>
+          </p:cNvPicPr>
+          <p:nvPr/>
+        </p:nvPicPr>
+        <p:blipFill>
+          <a:blip r:embed="rId2"/>
+          <a:stretch>
+            <a:fillRect/>
+          </a:stretch>
+        </p:blipFill>
+        <p:spPr>
+          <a:xfrm>
+            <a:off x="343969" y="767798"/>
+            <a:ext cx="9163050" cy="3467100"/>
+          </a:xfrm>
+          <a:prstGeom prst="rect">
+            <a:avLst/>
+          </a:prstGeom>
+        </p:spPr>
+      </p:pic>
     </p:spTree>
     <p:extLst>
       <p:ext uri="{BB962C8B-B14F-4D97-AF65-F5344CB8AC3E}">
-        <p14:creationId xmlns:p14="http://schemas.microsoft.com/office/powerpoint/2010/main" val="1180896879"/>
+        <p14:creationId xmlns:p14="http://schemas.microsoft.com/office/powerpoint/2010/main" val="2740992292"/>
       </p:ext>
     </p:extLst>
   </p:cSld>
@@ -4269,7 +4238,7 @@
           <p:cNvPr id="2" name="标题 1">
             <a:extLst>
               <a:ext uri="{FF2B5EF4-FFF2-40B4-BE49-F238E27FC236}">
-                <a16:creationId xmlns:a16="http://schemas.microsoft.com/office/drawing/2014/main" id="{6E678553-4F85-8979-D44E-BE425F34A378}"/>
+                <a16:creationId xmlns:a16="http://schemas.microsoft.com/office/drawing/2014/main" id="{E5FFB525-CB7B-A9CF-5A3F-21222EFE2C99}"/>
               </a:ext>
             </a:extLst>
           </p:cNvPr>
@@ -4291,11 +4260,11 @@
             </a:r>
             <a:r>
               <a:rPr lang="en-US" altLang="zh-CN" dirty="0"/>
-              <a:t>2</a:t>
-            </a:r>
-            <a:r>
-              <a:rPr lang="zh-CN" altLang="en-US" dirty="0"/>
-              <a:t>：在进程间切换</a:t>
+              <a:t>1</a:t>
+            </a:r>
+            <a:r>
+              <a:rPr lang="zh-CN" altLang="en-US" dirty="0"/>
+              <a:t>：受限制的操作</a:t>
             </a:r>
           </a:p>
         </p:txBody>
@@ -4305,7 +4274,7 @@
           <p:cNvPr id="3" name="内容占位符 2">
             <a:extLst>
               <a:ext uri="{FF2B5EF4-FFF2-40B4-BE49-F238E27FC236}">
-                <a16:creationId xmlns:a16="http://schemas.microsoft.com/office/drawing/2014/main" id="{DA92ACB9-773F-7E4A-F169-BA1FAB4EB031}"/>
+                <a16:creationId xmlns:a16="http://schemas.microsoft.com/office/drawing/2014/main" id="{61E66EC1-44CC-C1B0-B407-E87FE94D936C}"/>
               </a:ext>
             </a:extLst>
           </p:cNvPr>
@@ -4323,7 +4292,7 @@
           <a:p>
             <a:r>
               <a:rPr lang="zh-CN" altLang="en-US" dirty="0"/>
-              <a:t>协作方式</a:t>
+              <a:t>进入内核模式的几种情况</a:t>
             </a:r>
             <a:endParaRPr lang="en-US" altLang="zh-CN" dirty="0"/>
           </a:p>
@@ -4331,42 +4300,84 @@
             <a:pPr lvl="1"/>
             <a:r>
               <a:rPr lang="zh-CN" altLang="en-US" dirty="0"/>
-              <a:t>等待系统调用：打开文件、显式地调用</a:t>
+              <a:t>系统调用</a:t>
+            </a:r>
+            <a:endParaRPr lang="en-US" altLang="zh-CN" dirty="0"/>
+          </a:p>
+          <a:p>
+            <a:pPr lvl="2"/>
+            <a:r>
+              <a:rPr lang="zh-CN" altLang="en-US" dirty="0"/>
+              <a:t>例如</a:t>
+            </a:r>
+            <a:r>
+              <a:rPr lang="en-US" altLang="zh-CN" dirty="0" err="1"/>
+              <a:t>open,fork</a:t>
+            </a:r>
+            <a:r>
+              <a:rPr lang="zh-CN" altLang="en-US" dirty="0"/>
+              <a:t>等</a:t>
+            </a:r>
+            <a:endParaRPr lang="en-US" altLang="zh-CN" dirty="0"/>
+          </a:p>
+          <a:p>
+            <a:pPr lvl="1"/>
+            <a:r>
+              <a:rPr lang="zh-CN" altLang="en-US" dirty="0"/>
+              <a:t>硬件中断</a:t>
+            </a:r>
+            <a:endParaRPr lang="en-US" altLang="zh-CN" dirty="0"/>
+          </a:p>
+          <a:p>
+            <a:pPr lvl="2"/>
+            <a:r>
+              <a:rPr lang="zh-CN" altLang="en-US" dirty="0"/>
+              <a:t>外部设备需要</a:t>
             </a:r>
             <a:r>
               <a:rPr lang="en-US" altLang="zh-CN" dirty="0"/>
-              <a:t>yield()</a:t>
-            </a:r>
-            <a:r>
-              <a:rPr lang="zh-CN" altLang="en-US" dirty="0"/>
-              <a:t>系统调用</a:t>
+              <a:t>CPU</a:t>
+            </a:r>
+            <a:r>
+              <a:rPr lang="zh-CN" altLang="en-US" dirty="0"/>
+              <a:t>注意时，会发送一个硬件中断信号给</a:t>
+            </a:r>
+            <a:r>
+              <a:rPr lang="en-US" altLang="zh-CN" dirty="0"/>
+              <a:t>CPU</a:t>
+            </a:r>
+          </a:p>
+          <a:p>
+            <a:pPr lvl="1"/>
+            <a:r>
+              <a:rPr lang="zh-CN" altLang="en-US" dirty="0"/>
+              <a:t>异常</a:t>
             </a:r>
             <a:endParaRPr lang="en-US" altLang="zh-CN" dirty="0"/>
           </a:p>
           <a:p>
+            <a:pPr lvl="2"/>
+            <a:r>
+              <a:rPr lang="zh-CN" altLang="en-US" dirty="0"/>
+              <a:t>例如除数为零，访问无效内存地址</a:t>
+            </a:r>
+            <a:endParaRPr lang="en-US" altLang="zh-CN" dirty="0"/>
+          </a:p>
+          <a:p>
             <a:pPr lvl="1"/>
             <a:r>
               <a:rPr lang="zh-CN" altLang="en-US" dirty="0"/>
-              <a:t>某种非法操作发生（例如除数为</a:t>
-            </a:r>
-            <a:r>
-              <a:rPr lang="en-US" altLang="zh-CN" dirty="0"/>
-              <a:t>0)</a:t>
-            </a:r>
-          </a:p>
-          <a:p>
-            <a:r>
-              <a:rPr lang="zh-CN" altLang="en-US" dirty="0"/>
-              <a:t>缺点</a:t>
+              <a:t>任务切换</a:t>
             </a:r>
             <a:endParaRPr lang="en-US" altLang="zh-CN" dirty="0"/>
           </a:p>
           <a:p>
-            <a:pPr lvl="1"/>
-            <a:r>
-              <a:rPr lang="zh-CN" altLang="en-US" dirty="0"/>
-              <a:t>如果一个用户进程进入无限循环，从不进行系统调用会发生什么情况？</a:t>
-            </a:r>
+            <a:pPr lvl="2"/>
+            <a:r>
+              <a:rPr lang="zh-CN" altLang="en-US"/>
+              <a:t>不同进程之间切换</a:t>
+            </a:r>
+            <a:endParaRPr lang="zh-CN" altLang="en-US" dirty="0"/>
           </a:p>
         </p:txBody>
       </p:sp>
@@ -4375,7 +4386,7 @@
           <p:cNvPr id="4" name="灯片编号占位符 3">
             <a:extLst>
               <a:ext uri="{FF2B5EF4-FFF2-40B4-BE49-F238E27FC236}">
-                <a16:creationId xmlns:a16="http://schemas.microsoft.com/office/drawing/2014/main" id="{41C48315-5E5C-21FB-2596-C6C87DF50D11}"/>
+                <a16:creationId xmlns:a16="http://schemas.microsoft.com/office/drawing/2014/main" id="{D745277F-EB6B-7951-610B-42BD52A8E9DB}"/>
               </a:ext>
             </a:extLst>
           </p:cNvPr>
@@ -4392,7 +4403,7 @@
           <a:lstStyle/>
           <a:p>
             <a:r>
-              <a:rPr lang="zh-CN" altLang="en-US" dirty="0"/>
+              <a:rPr lang="zh-CN" altLang="en-US"/>
               <a:t>计算机操作系统                     </a:t>
             </a:r>
             <a:fld id="{2109AC4C-C6B9-4211-8A17-43C623583010}" type="slidenum">
@@ -4407,7 +4418,7 @@
     </p:spTree>
     <p:extLst>
       <p:ext uri="{BB962C8B-B14F-4D97-AF65-F5344CB8AC3E}">
-        <p14:creationId xmlns:p14="http://schemas.microsoft.com/office/powerpoint/2010/main" val="3418645372"/>
+        <p14:creationId xmlns:p14="http://schemas.microsoft.com/office/powerpoint/2010/main" val="3087874542"/>
       </p:ext>
     </p:extLst>
   </p:cSld>
@@ -4439,7 +4450,7 @@
           <p:cNvPr id="2" name="标题 1">
             <a:extLst>
               <a:ext uri="{FF2B5EF4-FFF2-40B4-BE49-F238E27FC236}">
-                <a16:creationId xmlns:a16="http://schemas.microsoft.com/office/drawing/2014/main" id="{698E8457-9D35-D104-0B2A-AA2CB8BBD10C}"/>
+                <a16:creationId xmlns:a16="http://schemas.microsoft.com/office/drawing/2014/main" id="{236586EE-F1AC-2D1B-F8D8-124F5BB696EB}"/>
               </a:ext>
             </a:extLst>
           </p:cNvPr>
@@ -4461,11 +4472,11 @@
             </a:r>
             <a:r>
               <a:rPr lang="en-US" altLang="zh-CN" dirty="0"/>
-              <a:t>2</a:t>
-            </a:r>
-            <a:r>
-              <a:rPr lang="zh-CN" altLang="en-US" dirty="0"/>
-              <a:t>：在进程间切换</a:t>
+              <a:t>1</a:t>
+            </a:r>
+            <a:r>
+              <a:rPr lang="zh-CN" altLang="en-US" dirty="0"/>
+              <a:t>：受限制的操作</a:t>
             </a:r>
           </a:p>
         </p:txBody>
@@ -4475,7 +4486,7 @@
           <p:cNvPr id="3" name="内容占位符 2">
             <a:extLst>
               <a:ext uri="{FF2B5EF4-FFF2-40B4-BE49-F238E27FC236}">
-                <a16:creationId xmlns:a16="http://schemas.microsoft.com/office/drawing/2014/main" id="{120E557A-A384-38E6-5C28-0332EB209C6D}"/>
+                <a16:creationId xmlns:a16="http://schemas.microsoft.com/office/drawing/2014/main" id="{3E1756A5-17D7-342F-1905-FE886B7EAEC5}"/>
               </a:ext>
             </a:extLst>
           </p:cNvPr>
@@ -4493,15 +4504,41 @@
           <a:p>
             <a:r>
               <a:rPr lang="zh-CN" altLang="en-US" dirty="0"/>
-              <a:t>非协作方式</a:t>
+              <a:t>如何让用户进程执行特权操作（例如磁盘</a:t>
+            </a:r>
+            <a:r>
+              <a:rPr lang="en-US" altLang="zh-CN" dirty="0"/>
+              <a:t>I/O</a:t>
+            </a:r>
+            <a:r>
+              <a:rPr lang="zh-CN" altLang="en-US" dirty="0"/>
+              <a:t>）？</a:t>
             </a:r>
             <a:endParaRPr lang="en-US" altLang="zh-CN" dirty="0"/>
           </a:p>
           <a:p>
+            <a:r>
+              <a:rPr lang="zh-CN" altLang="en-US" dirty="0"/>
+              <a:t>答案是：系统调用</a:t>
+            </a:r>
+            <a:r>
+              <a:rPr lang="en-US" altLang="zh-CN" dirty="0"/>
+              <a:t>(OS</a:t>
+            </a:r>
+            <a:r>
+              <a:rPr lang="zh-CN" altLang="en-US" dirty="0"/>
+              <a:t>向用户进程提供的接口</a:t>
+            </a:r>
+            <a:r>
+              <a:rPr lang="en-US" altLang="zh-CN" dirty="0"/>
+              <a:t>)</a:t>
+            </a:r>
+          </a:p>
+          <a:p>
             <a:pPr lvl="1"/>
             <a:r>
               <a:rPr lang="zh-CN" altLang="en-US" dirty="0"/>
-              <a:t>借助硬件的帮助：</a:t>
+              <a:t>要执行系统调用，程序必须执行</a:t>
             </a:r>
             <a:r>
               <a:rPr lang="zh-CN" altLang="en-US" dirty="0">
@@ -4509,18 +4546,27 @@
                   <a:srgbClr val="FF0000"/>
                 </a:solidFill>
               </a:rPr>
-              <a:t>时钟中断</a:t>
-            </a:r>
-            <a:r>
-              <a:rPr lang="en-US" altLang="zh-CN" dirty="0"/>
-              <a:t>(timer interrupt)</a:t>
-            </a:r>
+              <a:t>陷阱</a:t>
+            </a:r>
+            <a:r>
+              <a:rPr lang="en-US" altLang="zh-CN" dirty="0">
+                <a:solidFill>
+                  <a:srgbClr val="FF0000"/>
+                </a:solidFill>
+              </a:rPr>
+              <a:t>(trap)</a:t>
+            </a:r>
+            <a:r>
+              <a:rPr lang="zh-CN" altLang="en-US" dirty="0"/>
+              <a:t>指令</a:t>
+            </a:r>
+            <a:endParaRPr lang="en-US" altLang="zh-CN" dirty="0"/>
           </a:p>
           <a:p>
             <a:pPr lvl="1"/>
             <a:r>
               <a:rPr lang="zh-CN" altLang="en-US" dirty="0"/>
-              <a:t>时钟发生器</a:t>
+              <a:t>通过陷阱指令可以跳入</a:t>
             </a:r>
             <a:r>
               <a:rPr lang="en-US" altLang="zh-CN" dirty="0"/>
@@ -4528,7 +4574,7 @@
             </a:r>
             <a:r>
               <a:rPr lang="zh-CN" altLang="en-US" dirty="0"/>
-              <a:t>硬件</a:t>
+              <a:t>陷入</a:t>
             </a:r>
             <a:r>
               <a:rPr lang="en-US" altLang="zh-CN" dirty="0"/>
@@ -4536,7 +4582,7 @@
             </a:r>
             <a:r>
               <a:rPr lang="zh-CN" altLang="en-US" dirty="0"/>
-              <a:t>每隔几毫秒产生一次中断</a:t>
+              <a:t>内核，并将特权级别提升到“内核模式”</a:t>
             </a:r>
             <a:endParaRPr lang="en-US" altLang="zh-CN" dirty="0"/>
           </a:p>
@@ -4544,35 +4590,36 @@
             <a:pPr lvl="1"/>
             <a:r>
               <a:rPr lang="zh-CN" altLang="en-US" dirty="0"/>
-              <a:t>产生中断时</a:t>
+              <a:t>内核模式下执行一些特权操作（磁盘</a:t>
             </a:r>
             <a:r>
               <a:rPr lang="en-US" altLang="zh-CN" dirty="0"/>
-              <a:t>CPU</a:t>
-            </a:r>
-            <a:r>
-              <a:rPr lang="zh-CN" altLang="en-US" dirty="0"/>
-              <a:t>会跳转到预先配置的中断处理程序</a:t>
+              <a:t>I/O</a:t>
+            </a:r>
+            <a:r>
+              <a:rPr lang="zh-CN" altLang="en-US" dirty="0"/>
+              <a:t>、创建销毁进程、进程通信、分配更多内存等）</a:t>
+            </a:r>
+            <a:endParaRPr lang="en-US" altLang="zh-CN" dirty="0"/>
+          </a:p>
+          <a:p>
+            <a:pPr lvl="1"/>
+            <a:r>
+              <a:rPr lang="zh-CN" altLang="en-US" dirty="0"/>
+              <a:t>完成后，</a:t>
             </a:r>
             <a:r>
               <a:rPr lang="en-US" altLang="zh-CN" dirty="0"/>
-              <a:t>(interrupt handler)</a:t>
-            </a:r>
-          </a:p>
-          <a:p>
-            <a:pPr lvl="1"/>
-            <a:r>
-              <a:rPr lang="zh-CN" altLang="en-US" dirty="0"/>
-              <a:t>操作系统重新获得</a:t>
-            </a:r>
-            <a:r>
-              <a:rPr lang="en-US" altLang="zh-CN" dirty="0"/>
-              <a:t>CPU</a:t>
-            </a:r>
-            <a:r>
-              <a:rPr lang="zh-CN" altLang="en-US" dirty="0"/>
-              <a:t>控制权</a:t>
-            </a:r>
+              <a:t>OS</a:t>
+            </a:r>
+            <a:r>
+              <a:rPr lang="zh-CN" altLang="en-US" dirty="0"/>
+              <a:t>调用一个特殊的从陷阱返回的指令，回到用户程序，同时降低权限，回到“用户模式”</a:t>
+            </a:r>
+            <a:endParaRPr lang="en-US" altLang="zh-CN" dirty="0"/>
+          </a:p>
+          <a:p>
+            <a:endParaRPr lang="zh-CN" altLang="en-US" dirty="0"/>
           </a:p>
         </p:txBody>
       </p:sp>
@@ -4581,7 +4628,7 @@
           <p:cNvPr id="4" name="灯片编号占位符 3">
             <a:extLst>
               <a:ext uri="{FF2B5EF4-FFF2-40B4-BE49-F238E27FC236}">
-                <a16:creationId xmlns:a16="http://schemas.microsoft.com/office/drawing/2014/main" id="{964E34DC-7C27-23F9-6A2E-D13336A9F94B}"/>
+                <a16:creationId xmlns:a16="http://schemas.microsoft.com/office/drawing/2014/main" id="{5AA16E2C-DCC5-F1C8-9B83-E30D07B3EF13}"/>
               </a:ext>
             </a:extLst>
           </p:cNvPr>
@@ -4610,10 +4657,40 @@
           </a:p>
         </p:txBody>
       </p:sp>
+      <p:pic>
+        <p:nvPicPr>
+          <p:cNvPr id="6" name="图片 5">
+            <a:extLst>
+              <a:ext uri="{FF2B5EF4-FFF2-40B4-BE49-F238E27FC236}">
+                <a16:creationId xmlns:a16="http://schemas.microsoft.com/office/drawing/2014/main" id="{367C5E05-5767-B40E-CF24-7CDC380A8D51}"/>
+              </a:ext>
+            </a:extLst>
+          </p:cNvPr>
+          <p:cNvPicPr>
+            <a:picLocks noChangeAspect="1"/>
+          </p:cNvPicPr>
+          <p:nvPr/>
+        </p:nvPicPr>
+        <p:blipFill>
+          <a:blip r:embed="rId2"/>
+          <a:stretch>
+            <a:fillRect/>
+          </a:stretch>
+        </p:blipFill>
+        <p:spPr>
+          <a:xfrm>
+            <a:off x="1003024" y="4848389"/>
+            <a:ext cx="8953500" cy="1819275"/>
+          </a:xfrm>
+          <a:prstGeom prst="rect">
+            <a:avLst/>
+          </a:prstGeom>
+        </p:spPr>
+      </p:pic>
     </p:spTree>
     <p:extLst>
       <p:ext uri="{BB962C8B-B14F-4D97-AF65-F5344CB8AC3E}">
-        <p14:creationId xmlns:p14="http://schemas.microsoft.com/office/powerpoint/2010/main" val="781335555"/>
+        <p14:creationId xmlns:p14="http://schemas.microsoft.com/office/powerpoint/2010/main" val="2766239960"/>
       </p:ext>
     </p:extLst>
   </p:cSld>
@@ -4645,7 +4722,7 @@
           <p:cNvPr id="2" name="标题 1">
             <a:extLst>
               <a:ext uri="{FF2B5EF4-FFF2-40B4-BE49-F238E27FC236}">
-                <a16:creationId xmlns:a16="http://schemas.microsoft.com/office/drawing/2014/main" id="{0B984801-F086-2834-D46C-054247CE567E}"/>
+                <a16:creationId xmlns:a16="http://schemas.microsoft.com/office/drawing/2014/main" id="{7470338C-A855-34D7-73F8-5E9361F95063}"/>
               </a:ext>
             </a:extLst>
           </p:cNvPr>
@@ -4667,11 +4744,11 @@
             </a:r>
             <a:r>
               <a:rPr lang="en-US" altLang="zh-CN" dirty="0"/>
-              <a:t>2</a:t>
-            </a:r>
-            <a:r>
-              <a:rPr lang="zh-CN" altLang="en-US" dirty="0"/>
-              <a:t>：在进程间切换</a:t>
+              <a:t>1</a:t>
+            </a:r>
+            <a:r>
+              <a:rPr lang="zh-CN" altLang="en-US" dirty="0"/>
+              <a:t>：受限制的操作</a:t>
             </a:r>
           </a:p>
         </p:txBody>
@@ -4681,7 +4758,7 @@
           <p:cNvPr id="3" name="内容占位符 2">
             <a:extLst>
               <a:ext uri="{FF2B5EF4-FFF2-40B4-BE49-F238E27FC236}">
-                <a16:creationId xmlns:a16="http://schemas.microsoft.com/office/drawing/2014/main" id="{222A52C4-9021-4ED5-7F04-5A47AA57013F}"/>
+                <a16:creationId xmlns:a16="http://schemas.microsoft.com/office/drawing/2014/main" id="{D7F92952-524D-CBF2-BF05-1B774B6F43A5}"/>
               </a:ext>
             </a:extLst>
           </p:cNvPr>
@@ -4697,33 +4774,17 @@
           <a:bodyPr/>
           <a:lstStyle/>
           <a:p>
-            <a:r>
-              <a:rPr lang="zh-CN" altLang="en-US" dirty="0"/>
-              <a:t>保存和恢复上下文</a:t>
-            </a:r>
-            <a:endParaRPr lang="en-US" altLang="zh-CN" dirty="0"/>
-          </a:p>
-          <a:p>
-            <a:pPr lvl="1"/>
             <a:r>
               <a:rPr lang="en-US" altLang="zh-CN" dirty="0"/>
               <a:t>OS</a:t>
             </a:r>
             <a:r>
               <a:rPr lang="zh-CN" altLang="en-US" dirty="0"/>
-              <a:t>为当前执行的进程保存寄存器的值</a:t>
+              <a:t>在启动时设置陷阱表</a:t>
             </a:r>
             <a:r>
               <a:rPr lang="en-US" altLang="zh-CN" dirty="0"/>
-              <a:t>(PC</a:t>
-            </a:r>
-            <a:r>
-              <a:rPr lang="zh-CN" altLang="en-US" dirty="0"/>
-              <a:t>、通用寄存器、内核栈指针</a:t>
-            </a:r>
-            <a:r>
-              <a:rPr lang="en-US" altLang="zh-CN" dirty="0"/>
-              <a:t>)</a:t>
+              <a:t>(trap table)</a:t>
             </a:r>
           </a:p>
           <a:p>
@@ -4734,16 +4795,26 @@
             </a:r>
             <a:r>
               <a:rPr lang="zh-CN" altLang="en-US" dirty="0"/>
-              <a:t>为即将执行的进程恢复寄存器的值</a:t>
+              <a:t>告诉硬件</a:t>
+            </a:r>
+            <a:r>
+              <a:rPr lang="en-US" altLang="zh-CN" dirty="0"/>
+              <a:t>(CPU)</a:t>
+            </a:r>
+            <a:r>
+              <a:rPr lang="zh-CN" altLang="en-US" dirty="0"/>
+              <a:t>当发生异常事件时应该运行哪些代码</a:t>
             </a:r>
             <a:endParaRPr lang="en-US" altLang="zh-CN" dirty="0"/>
           </a:p>
           <a:p>
+            <a:pPr lvl="1"/>
+            <a:r>
+              <a:rPr lang="zh-CN" altLang="en-US" dirty="0"/>
+              <a:t>异常事件：硬盘中断、键盘中断、系统调用等</a:t>
+            </a:r>
             <a:endParaRPr lang="en-US" altLang="zh-CN" dirty="0"/>
           </a:p>
-          <a:p>
-            <a:endParaRPr lang="zh-CN" altLang="en-US" dirty="0"/>
-          </a:p>
         </p:txBody>
       </p:sp>
       <p:sp>
@@ -4751,7 +4822,7 @@
           <p:cNvPr id="4" name="灯片编号占位符 3">
             <a:extLst>
               <a:ext uri="{FF2B5EF4-FFF2-40B4-BE49-F238E27FC236}">
-                <a16:creationId xmlns:a16="http://schemas.microsoft.com/office/drawing/2014/main" id="{86113EB3-A169-B1B2-8311-1A10E9506C24}"/>
+                <a16:creationId xmlns:a16="http://schemas.microsoft.com/office/drawing/2014/main" id="{24652815-5F77-8ADF-CB67-9F85188150A3}"/>
               </a:ext>
             </a:extLst>
           </p:cNvPr>
@@ -4780,10 +4851,40 @@
           </a:p>
         </p:txBody>
       </p:sp>
+      <p:pic>
+        <p:nvPicPr>
+          <p:cNvPr id="6" name="图片 5">
+            <a:extLst>
+              <a:ext uri="{FF2B5EF4-FFF2-40B4-BE49-F238E27FC236}">
+                <a16:creationId xmlns:a16="http://schemas.microsoft.com/office/drawing/2014/main" id="{D8C4D350-9A2E-51C3-4EB7-9F247D819A5B}"/>
+              </a:ext>
+            </a:extLst>
+          </p:cNvPr>
+          <p:cNvPicPr>
+            <a:picLocks noChangeAspect="1"/>
+          </p:cNvPicPr>
+          <p:nvPr/>
+        </p:nvPicPr>
+        <p:blipFill>
+          <a:blip r:embed="rId2"/>
+          <a:stretch>
+            <a:fillRect/>
+          </a:stretch>
+        </p:blipFill>
+        <p:spPr>
+          <a:xfrm>
+            <a:off x="511336" y="3075318"/>
+            <a:ext cx="7588640" cy="1587582"/>
+          </a:xfrm>
+          <a:prstGeom prst="rect">
+            <a:avLst/>
+          </a:prstGeom>
+        </p:spPr>
+      </p:pic>
     </p:spTree>
     <p:extLst>
       <p:ext uri="{BB962C8B-B14F-4D97-AF65-F5344CB8AC3E}">
-        <p14:creationId xmlns:p14="http://schemas.microsoft.com/office/powerpoint/2010/main" val="1797333993"/>
+        <p14:creationId xmlns:p14="http://schemas.microsoft.com/office/powerpoint/2010/main" val="4113263382"/>
       </p:ext>
     </p:extLst>
   </p:cSld>
@@ -4815,7 +4916,7 @@
           <p:cNvPr id="2" name="标题 1">
             <a:extLst>
               <a:ext uri="{FF2B5EF4-FFF2-40B4-BE49-F238E27FC236}">
-                <a16:creationId xmlns:a16="http://schemas.microsoft.com/office/drawing/2014/main" id="{312DD11A-F59F-D6FD-ED8F-90D1E6F92E0C}"/>
+                <a16:creationId xmlns:a16="http://schemas.microsoft.com/office/drawing/2014/main" id="{FF87BB08-F9C3-AA6F-4FFD-05BFCDA54866}"/>
               </a:ext>
             </a:extLst>
           </p:cNvPr>
@@ -4837,11 +4938,11 @@
             </a:r>
             <a:r>
               <a:rPr lang="en-US" altLang="zh-CN" dirty="0"/>
-              <a:t>2</a:t>
-            </a:r>
-            <a:r>
-              <a:rPr lang="zh-CN" altLang="en-US" dirty="0"/>
-              <a:t>：在进程间切换</a:t>
+              <a:t>1</a:t>
+            </a:r>
+            <a:r>
+              <a:rPr lang="zh-CN" altLang="en-US" dirty="0"/>
+              <a:t>：受限制的操作</a:t>
             </a:r>
           </a:p>
         </p:txBody>
@@ -4851,7 +4952,7 @@
           <p:cNvPr id="3" name="内容占位符 2">
             <a:extLst>
               <a:ext uri="{FF2B5EF4-FFF2-40B4-BE49-F238E27FC236}">
-                <a16:creationId xmlns:a16="http://schemas.microsoft.com/office/drawing/2014/main" id="{C9ABA061-D3E8-DF95-09D8-5BDC1183FEAA}"/>
+                <a16:creationId xmlns:a16="http://schemas.microsoft.com/office/drawing/2014/main" id="{A4E3CF8A-50FA-3790-9F44-7EDA173E14E0}"/>
               </a:ext>
             </a:extLst>
           </p:cNvPr>
@@ -4869,21 +4970,8 @@
           <a:p>
             <a:r>
               <a:rPr lang="zh-CN" altLang="en-US" dirty="0"/>
-              <a:t>进程切换</a:t>
-            </a:r>
-            <a:r>
-              <a:rPr lang="en-US" altLang="zh-CN" dirty="0"/>
-              <a:t>(</a:t>
-            </a:r>
-            <a:r>
-              <a:rPr lang="zh-CN" altLang="en-US" dirty="0"/>
-              <a:t>时钟中断</a:t>
-            </a:r>
-            <a:r>
-              <a:rPr lang="en-US" altLang="zh-CN" dirty="0"/>
-              <a:t>)</a:t>
-            </a:r>
-            <a:endParaRPr lang="zh-CN" altLang="en-US" dirty="0"/>
+              <a:t>受限直接运行的实例</a:t>
+            </a:r>
           </a:p>
         </p:txBody>
       </p:sp>
@@ -4892,7 +4980,7 @@
           <p:cNvPr id="4" name="灯片编号占位符 3">
             <a:extLst>
               <a:ext uri="{FF2B5EF4-FFF2-40B4-BE49-F238E27FC236}">
-                <a16:creationId xmlns:a16="http://schemas.microsoft.com/office/drawing/2014/main" id="{C90265CE-5460-C614-995C-FF0C10605AAC}"/>
+                <a16:creationId xmlns:a16="http://schemas.microsoft.com/office/drawing/2014/main" id="{04CDBBC5-14A2-A967-0D33-8906DA78ABDD}"/>
               </a:ext>
             </a:extLst>
           </p:cNvPr>
@@ -4909,13 +4997,951 @@
           <a:lstStyle/>
           <a:p>
             <a:r>
-              <a:rPr lang="zh-CN" altLang="en-US"/>
+              <a:rPr lang="zh-CN" altLang="en-US" dirty="0"/>
               <a:t>计算机操作系统                     </a:t>
             </a:r>
             <a:fld id="{2109AC4C-C6B9-4211-8A17-43C623583010}" type="slidenum">
               <a:rPr lang="zh-CN" altLang="en-US" smtClean="0"/>
               <a:pPr/>
               <a:t>14</a:t>
+            </a:fld>
+            <a:endParaRPr lang="zh-CN" altLang="en-US" dirty="0"/>
+          </a:p>
+        </p:txBody>
+      </p:sp>
+      <p:pic>
+        <p:nvPicPr>
+          <p:cNvPr id="6" name="图片 5">
+            <a:extLst>
+              <a:ext uri="{FF2B5EF4-FFF2-40B4-BE49-F238E27FC236}">
+                <a16:creationId xmlns:a16="http://schemas.microsoft.com/office/drawing/2014/main" id="{B395288B-9B27-9EAC-210F-0B0AC1075968}"/>
+              </a:ext>
+            </a:extLst>
+          </p:cNvPr>
+          <p:cNvPicPr>
+            <a:picLocks noChangeAspect="1"/>
+          </p:cNvPicPr>
+          <p:nvPr/>
+        </p:nvPicPr>
+        <p:blipFill>
+          <a:blip r:embed="rId2"/>
+          <a:stretch>
+            <a:fillRect/>
+          </a:stretch>
+        </p:blipFill>
+        <p:spPr>
+          <a:xfrm>
+            <a:off x="4537860" y="762712"/>
+            <a:ext cx="5430208" cy="5332576"/>
+          </a:xfrm>
+          <a:prstGeom prst="rect">
+            <a:avLst/>
+          </a:prstGeom>
+        </p:spPr>
+      </p:pic>
+    </p:spTree>
+    <p:extLst>
+      <p:ext uri="{BB962C8B-B14F-4D97-AF65-F5344CB8AC3E}">
+        <p14:creationId xmlns:p14="http://schemas.microsoft.com/office/powerpoint/2010/main" val="2111722282"/>
+      </p:ext>
+    </p:extLst>
+  </p:cSld>
+  <p:clrMapOvr>
+    <a:masterClrMapping/>
+  </p:clrMapOvr>
+</p:sld>
+</file>
+
+<file path=ppt/slides/slide15.xml><?xml version="1.0" encoding="utf-8"?>
+<p:sld xmlns:a="http://schemas.openxmlformats.org/drawingml/2006/main" xmlns:r="http://schemas.openxmlformats.org/officeDocument/2006/relationships" xmlns:p="http://schemas.openxmlformats.org/presentationml/2006/main">
+  <p:cSld>
+    <p:spTree>
+      <p:nvGrpSpPr>
+        <p:cNvPr id="1" name=""/>
+        <p:cNvGrpSpPr/>
+        <p:nvPr/>
+      </p:nvGrpSpPr>
+      <p:grpSpPr>
+        <a:xfrm>
+          <a:off x="0" y="0"/>
+          <a:ext cx="0" cy="0"/>
+          <a:chOff x="0" y="0"/>
+          <a:chExt cx="0" cy="0"/>
+        </a:xfrm>
+      </p:grpSpPr>
+      <p:sp>
+        <p:nvSpPr>
+          <p:cNvPr id="2" name="标题 1">
+            <a:extLst>
+              <a:ext uri="{FF2B5EF4-FFF2-40B4-BE49-F238E27FC236}">
+                <a16:creationId xmlns:a16="http://schemas.microsoft.com/office/drawing/2014/main" id="{F6C66B21-64E8-F841-3411-7D8E0CFA83B0}"/>
+              </a:ext>
+            </a:extLst>
+          </p:cNvPr>
+          <p:cNvSpPr>
+            <a:spLocks noGrp="1"/>
+          </p:cNvSpPr>
+          <p:nvPr>
+            <p:ph type="title"/>
+          </p:nvPr>
+        </p:nvSpPr>
+        <p:spPr/>
+        <p:txBody>
+          <a:bodyPr/>
+          <a:lstStyle/>
+          <a:p>
+            <a:r>
+              <a:rPr lang="zh-CN" altLang="en-US" dirty="0"/>
+              <a:t>问题</a:t>
+            </a:r>
+            <a:r>
+              <a:rPr lang="en-US" altLang="zh-CN" dirty="0"/>
+              <a:t>2</a:t>
+            </a:r>
+            <a:r>
+              <a:rPr lang="zh-CN" altLang="en-US" dirty="0"/>
+              <a:t>：在进程间切换</a:t>
+            </a:r>
+          </a:p>
+        </p:txBody>
+      </p:sp>
+      <p:sp>
+        <p:nvSpPr>
+          <p:cNvPr id="3" name="内容占位符 2">
+            <a:extLst>
+              <a:ext uri="{FF2B5EF4-FFF2-40B4-BE49-F238E27FC236}">
+                <a16:creationId xmlns:a16="http://schemas.microsoft.com/office/drawing/2014/main" id="{0A482C7C-D53D-636C-2522-B2DEDB59F0A9}"/>
+              </a:ext>
+            </a:extLst>
+          </p:cNvPr>
+          <p:cNvSpPr>
+            <a:spLocks noGrp="1"/>
+          </p:cNvSpPr>
+          <p:nvPr>
+            <p:ph idx="1"/>
+          </p:nvPr>
+        </p:nvSpPr>
+        <p:spPr/>
+        <p:txBody>
+          <a:bodyPr/>
+          <a:lstStyle/>
+          <a:p>
+            <a:r>
+              <a:rPr lang="zh-CN" altLang="en-US" dirty="0"/>
+              <a:t>看起来很简单？</a:t>
+            </a:r>
+            <a:endParaRPr lang="en-US" altLang="zh-CN" dirty="0"/>
+          </a:p>
+          <a:p>
+            <a:pPr lvl="1"/>
+            <a:r>
+              <a:rPr lang="zh-CN" altLang="en-US" dirty="0"/>
+              <a:t>如果一个进程在</a:t>
+            </a:r>
+            <a:r>
+              <a:rPr lang="en-US" altLang="zh-CN" dirty="0"/>
+              <a:t>CPU</a:t>
+            </a:r>
+            <a:r>
+              <a:rPr lang="zh-CN" altLang="en-US" dirty="0"/>
+              <a:t>上运行，</a:t>
+            </a:r>
+            <a:r>
+              <a:rPr lang="en-US" altLang="zh-CN" dirty="0"/>
+              <a:t>OS</a:t>
+            </a:r>
+            <a:r>
+              <a:rPr lang="zh-CN" altLang="en-US" dirty="0"/>
+              <a:t>没有在运行，也就意味着无法做任何事情，包括进程切换</a:t>
+            </a:r>
+            <a:endParaRPr lang="en-US" altLang="zh-CN" dirty="0"/>
+          </a:p>
+          <a:p>
+            <a:r>
+              <a:rPr lang="zh-CN" altLang="en-US" dirty="0"/>
+              <a:t>关键问题：</a:t>
+            </a:r>
+            <a:r>
+              <a:rPr lang="en-US" altLang="zh-CN" dirty="0"/>
+              <a:t>OS</a:t>
+            </a:r>
+            <a:r>
+              <a:rPr lang="zh-CN" altLang="en-US" dirty="0"/>
+              <a:t>如何重新获取</a:t>
+            </a:r>
+            <a:r>
+              <a:rPr lang="en-US" altLang="zh-CN" dirty="0"/>
+              <a:t>CPU</a:t>
+            </a:r>
+            <a:r>
+              <a:rPr lang="zh-CN" altLang="en-US" dirty="0"/>
+              <a:t>的控制权？</a:t>
+            </a:r>
+            <a:endParaRPr lang="en-US" altLang="zh-CN" dirty="0"/>
+          </a:p>
+          <a:p>
+            <a:pPr lvl="1"/>
+            <a:r>
+              <a:rPr lang="zh-CN" altLang="en-US" dirty="0"/>
+              <a:t>协作方式</a:t>
+            </a:r>
+            <a:endParaRPr lang="en-US" altLang="zh-CN" dirty="0"/>
+          </a:p>
+          <a:p>
+            <a:pPr lvl="1"/>
+            <a:r>
+              <a:rPr lang="zh-CN" altLang="en-US" dirty="0"/>
+              <a:t>非协作方式</a:t>
+            </a:r>
+          </a:p>
+        </p:txBody>
+      </p:sp>
+      <p:sp>
+        <p:nvSpPr>
+          <p:cNvPr id="4" name="灯片编号占位符 3">
+            <a:extLst>
+              <a:ext uri="{FF2B5EF4-FFF2-40B4-BE49-F238E27FC236}">
+                <a16:creationId xmlns:a16="http://schemas.microsoft.com/office/drawing/2014/main" id="{8DB29F31-1DF6-901D-A1AA-62C083F1FF50}"/>
+              </a:ext>
+            </a:extLst>
+          </p:cNvPr>
+          <p:cNvSpPr>
+            <a:spLocks noGrp="1"/>
+          </p:cNvSpPr>
+          <p:nvPr>
+            <p:ph type="sldNum" sz="quarter" idx="12"/>
+          </p:nvPr>
+        </p:nvSpPr>
+        <p:spPr/>
+        <p:txBody>
+          <a:bodyPr/>
+          <a:lstStyle/>
+          <a:p>
+            <a:r>
+              <a:rPr lang="zh-CN" altLang="en-US" dirty="0"/>
+              <a:t>计算机操作系统                     </a:t>
+            </a:r>
+            <a:fld id="{2109AC4C-C6B9-4211-8A17-43C623583010}" type="slidenum">
+              <a:rPr lang="zh-CN" altLang="en-US" smtClean="0"/>
+              <a:pPr/>
+              <a:t>15</a:t>
+            </a:fld>
+            <a:endParaRPr lang="zh-CN" altLang="en-US" dirty="0"/>
+          </a:p>
+        </p:txBody>
+      </p:sp>
+    </p:spTree>
+    <p:extLst>
+      <p:ext uri="{BB962C8B-B14F-4D97-AF65-F5344CB8AC3E}">
+        <p14:creationId xmlns:p14="http://schemas.microsoft.com/office/powerpoint/2010/main" val="1180896879"/>
+      </p:ext>
+    </p:extLst>
+  </p:cSld>
+  <p:clrMapOvr>
+    <a:masterClrMapping/>
+  </p:clrMapOvr>
+</p:sld>
+</file>
+
+<file path=ppt/slides/slide16.xml><?xml version="1.0" encoding="utf-8"?>
+<p:sld xmlns:a="http://schemas.openxmlformats.org/drawingml/2006/main" xmlns:r="http://schemas.openxmlformats.org/officeDocument/2006/relationships" xmlns:p="http://schemas.openxmlformats.org/presentationml/2006/main">
+  <p:cSld>
+    <p:spTree>
+      <p:nvGrpSpPr>
+        <p:cNvPr id="1" name=""/>
+        <p:cNvGrpSpPr/>
+        <p:nvPr/>
+      </p:nvGrpSpPr>
+      <p:grpSpPr>
+        <a:xfrm>
+          <a:off x="0" y="0"/>
+          <a:ext cx="0" cy="0"/>
+          <a:chOff x="0" y="0"/>
+          <a:chExt cx="0" cy="0"/>
+        </a:xfrm>
+      </p:grpSpPr>
+      <p:sp>
+        <p:nvSpPr>
+          <p:cNvPr id="2" name="标题 1">
+            <a:extLst>
+              <a:ext uri="{FF2B5EF4-FFF2-40B4-BE49-F238E27FC236}">
+                <a16:creationId xmlns:a16="http://schemas.microsoft.com/office/drawing/2014/main" id="{6E678553-4F85-8979-D44E-BE425F34A378}"/>
+              </a:ext>
+            </a:extLst>
+          </p:cNvPr>
+          <p:cNvSpPr>
+            <a:spLocks noGrp="1"/>
+          </p:cNvSpPr>
+          <p:nvPr>
+            <p:ph type="title"/>
+          </p:nvPr>
+        </p:nvSpPr>
+        <p:spPr/>
+        <p:txBody>
+          <a:bodyPr/>
+          <a:lstStyle/>
+          <a:p>
+            <a:r>
+              <a:rPr lang="zh-CN" altLang="en-US" dirty="0"/>
+              <a:t>问题</a:t>
+            </a:r>
+            <a:r>
+              <a:rPr lang="en-US" altLang="zh-CN" dirty="0"/>
+              <a:t>2</a:t>
+            </a:r>
+            <a:r>
+              <a:rPr lang="zh-CN" altLang="en-US" dirty="0"/>
+              <a:t>：在进程间切换</a:t>
+            </a:r>
+          </a:p>
+        </p:txBody>
+      </p:sp>
+      <p:sp>
+        <p:nvSpPr>
+          <p:cNvPr id="3" name="内容占位符 2">
+            <a:extLst>
+              <a:ext uri="{FF2B5EF4-FFF2-40B4-BE49-F238E27FC236}">
+                <a16:creationId xmlns:a16="http://schemas.microsoft.com/office/drawing/2014/main" id="{DA92ACB9-773F-7E4A-F169-BA1FAB4EB031}"/>
+              </a:ext>
+            </a:extLst>
+          </p:cNvPr>
+          <p:cNvSpPr>
+            <a:spLocks noGrp="1"/>
+          </p:cNvSpPr>
+          <p:nvPr>
+            <p:ph idx="1"/>
+          </p:nvPr>
+        </p:nvSpPr>
+        <p:spPr/>
+        <p:txBody>
+          <a:bodyPr/>
+          <a:lstStyle/>
+          <a:p>
+            <a:r>
+              <a:rPr lang="zh-CN" altLang="en-US" dirty="0"/>
+              <a:t>协作方式</a:t>
+            </a:r>
+            <a:endParaRPr lang="en-US" altLang="zh-CN" dirty="0"/>
+          </a:p>
+          <a:p>
+            <a:pPr lvl="1"/>
+            <a:r>
+              <a:rPr lang="zh-CN" altLang="en-US" dirty="0"/>
+              <a:t>等待系统调用：打开文件、显式地调用</a:t>
+            </a:r>
+            <a:r>
+              <a:rPr lang="en-US" altLang="zh-CN" dirty="0"/>
+              <a:t>yield()</a:t>
+            </a:r>
+            <a:r>
+              <a:rPr lang="zh-CN" altLang="en-US" dirty="0"/>
+              <a:t>系统调用</a:t>
+            </a:r>
+            <a:endParaRPr lang="en-US" altLang="zh-CN" dirty="0"/>
+          </a:p>
+          <a:p>
+            <a:pPr lvl="1"/>
+            <a:r>
+              <a:rPr lang="zh-CN" altLang="en-US" dirty="0"/>
+              <a:t>某种非法操作发生（例如除数为</a:t>
+            </a:r>
+            <a:r>
+              <a:rPr lang="en-US" altLang="zh-CN" dirty="0"/>
+              <a:t>0)</a:t>
+            </a:r>
+          </a:p>
+          <a:p>
+            <a:r>
+              <a:rPr lang="zh-CN" altLang="en-US" dirty="0"/>
+              <a:t>缺点</a:t>
+            </a:r>
+            <a:endParaRPr lang="en-US" altLang="zh-CN" dirty="0"/>
+          </a:p>
+          <a:p>
+            <a:pPr lvl="1"/>
+            <a:r>
+              <a:rPr lang="zh-CN" altLang="en-US" dirty="0"/>
+              <a:t>如果一个用户进程进入无限循环，从不进行系统调用会发生什么情况？</a:t>
+            </a:r>
+          </a:p>
+        </p:txBody>
+      </p:sp>
+      <p:sp>
+        <p:nvSpPr>
+          <p:cNvPr id="4" name="灯片编号占位符 3">
+            <a:extLst>
+              <a:ext uri="{FF2B5EF4-FFF2-40B4-BE49-F238E27FC236}">
+                <a16:creationId xmlns:a16="http://schemas.microsoft.com/office/drawing/2014/main" id="{41C48315-5E5C-21FB-2596-C6C87DF50D11}"/>
+              </a:ext>
+            </a:extLst>
+          </p:cNvPr>
+          <p:cNvSpPr>
+            <a:spLocks noGrp="1"/>
+          </p:cNvSpPr>
+          <p:nvPr>
+            <p:ph type="sldNum" sz="quarter" idx="12"/>
+          </p:nvPr>
+        </p:nvSpPr>
+        <p:spPr/>
+        <p:txBody>
+          <a:bodyPr/>
+          <a:lstStyle/>
+          <a:p>
+            <a:r>
+              <a:rPr lang="zh-CN" altLang="en-US" dirty="0"/>
+              <a:t>计算机操作系统                     </a:t>
+            </a:r>
+            <a:fld id="{2109AC4C-C6B9-4211-8A17-43C623583010}" type="slidenum">
+              <a:rPr lang="zh-CN" altLang="en-US" smtClean="0"/>
+              <a:pPr/>
+              <a:t>16</a:t>
+            </a:fld>
+            <a:endParaRPr lang="zh-CN" altLang="en-US" dirty="0"/>
+          </a:p>
+        </p:txBody>
+      </p:sp>
+      <p:pic>
+        <p:nvPicPr>
+          <p:cNvPr id="6" name="图片 5">
+            <a:extLst>
+              <a:ext uri="{FF2B5EF4-FFF2-40B4-BE49-F238E27FC236}">
+                <a16:creationId xmlns:a16="http://schemas.microsoft.com/office/drawing/2014/main" id="{BBB4DA66-0AE9-AF9B-A9D0-F78E489572CF}"/>
+              </a:ext>
+            </a:extLst>
+          </p:cNvPr>
+          <p:cNvPicPr>
+            <a:picLocks noChangeAspect="1"/>
+          </p:cNvPicPr>
+          <p:nvPr/>
+        </p:nvPicPr>
+        <p:blipFill>
+          <a:blip r:embed="rId2"/>
+          <a:stretch>
+            <a:fillRect/>
+          </a:stretch>
+        </p:blipFill>
+        <p:spPr>
+          <a:xfrm>
+            <a:off x="681037" y="3731936"/>
+            <a:ext cx="9001125" cy="1514475"/>
+          </a:xfrm>
+          <a:prstGeom prst="rect">
+            <a:avLst/>
+          </a:prstGeom>
+        </p:spPr>
+      </p:pic>
+    </p:spTree>
+    <p:extLst>
+      <p:ext uri="{BB962C8B-B14F-4D97-AF65-F5344CB8AC3E}">
+        <p14:creationId xmlns:p14="http://schemas.microsoft.com/office/powerpoint/2010/main" val="3418645372"/>
+      </p:ext>
+    </p:extLst>
+  </p:cSld>
+  <p:clrMapOvr>
+    <a:masterClrMapping/>
+  </p:clrMapOvr>
+</p:sld>
+</file>
+
+<file path=ppt/slides/slide17.xml><?xml version="1.0" encoding="utf-8"?>
+<p:sld xmlns:a="http://schemas.openxmlformats.org/drawingml/2006/main" xmlns:r="http://schemas.openxmlformats.org/officeDocument/2006/relationships" xmlns:p="http://schemas.openxmlformats.org/presentationml/2006/main">
+  <p:cSld>
+    <p:spTree>
+      <p:nvGrpSpPr>
+        <p:cNvPr id="1" name=""/>
+        <p:cNvGrpSpPr/>
+        <p:nvPr/>
+      </p:nvGrpSpPr>
+      <p:grpSpPr>
+        <a:xfrm>
+          <a:off x="0" y="0"/>
+          <a:ext cx="0" cy="0"/>
+          <a:chOff x="0" y="0"/>
+          <a:chExt cx="0" cy="0"/>
+        </a:xfrm>
+      </p:grpSpPr>
+      <p:sp>
+        <p:nvSpPr>
+          <p:cNvPr id="2" name="标题 1">
+            <a:extLst>
+              <a:ext uri="{FF2B5EF4-FFF2-40B4-BE49-F238E27FC236}">
+                <a16:creationId xmlns:a16="http://schemas.microsoft.com/office/drawing/2014/main" id="{698E8457-9D35-D104-0B2A-AA2CB8BBD10C}"/>
+              </a:ext>
+            </a:extLst>
+          </p:cNvPr>
+          <p:cNvSpPr>
+            <a:spLocks noGrp="1"/>
+          </p:cNvSpPr>
+          <p:nvPr>
+            <p:ph type="title"/>
+          </p:nvPr>
+        </p:nvSpPr>
+        <p:spPr/>
+        <p:txBody>
+          <a:bodyPr/>
+          <a:lstStyle/>
+          <a:p>
+            <a:r>
+              <a:rPr lang="zh-CN" altLang="en-US" dirty="0"/>
+              <a:t>问题</a:t>
+            </a:r>
+            <a:r>
+              <a:rPr lang="en-US" altLang="zh-CN" dirty="0"/>
+              <a:t>2</a:t>
+            </a:r>
+            <a:r>
+              <a:rPr lang="zh-CN" altLang="en-US" dirty="0"/>
+              <a:t>：在进程间切换</a:t>
+            </a:r>
+          </a:p>
+        </p:txBody>
+      </p:sp>
+      <p:sp>
+        <p:nvSpPr>
+          <p:cNvPr id="3" name="内容占位符 2">
+            <a:extLst>
+              <a:ext uri="{FF2B5EF4-FFF2-40B4-BE49-F238E27FC236}">
+                <a16:creationId xmlns:a16="http://schemas.microsoft.com/office/drawing/2014/main" id="{120E557A-A384-38E6-5C28-0332EB209C6D}"/>
+              </a:ext>
+            </a:extLst>
+          </p:cNvPr>
+          <p:cNvSpPr>
+            <a:spLocks noGrp="1"/>
+          </p:cNvSpPr>
+          <p:nvPr>
+            <p:ph idx="1"/>
+          </p:nvPr>
+        </p:nvSpPr>
+        <p:spPr/>
+        <p:txBody>
+          <a:bodyPr/>
+          <a:lstStyle/>
+          <a:p>
+            <a:r>
+              <a:rPr lang="zh-CN" altLang="en-US" dirty="0"/>
+              <a:t>非协作方式</a:t>
+            </a:r>
+            <a:endParaRPr lang="en-US" altLang="zh-CN" dirty="0"/>
+          </a:p>
+          <a:p>
+            <a:pPr lvl="1"/>
+            <a:r>
+              <a:rPr lang="zh-CN" altLang="en-US" dirty="0"/>
+              <a:t>借助硬件的帮助：</a:t>
+            </a:r>
+            <a:r>
+              <a:rPr lang="zh-CN" altLang="en-US" dirty="0">
+                <a:solidFill>
+                  <a:srgbClr val="FF0000"/>
+                </a:solidFill>
+              </a:rPr>
+              <a:t>时钟中断</a:t>
+            </a:r>
+            <a:r>
+              <a:rPr lang="en-US" altLang="zh-CN" dirty="0"/>
+              <a:t>(timer interrupt)</a:t>
+            </a:r>
+          </a:p>
+          <a:p>
+            <a:pPr lvl="1"/>
+            <a:r>
+              <a:rPr lang="zh-CN" altLang="en-US" dirty="0"/>
+              <a:t>时钟发生器</a:t>
+            </a:r>
+            <a:r>
+              <a:rPr lang="en-US" altLang="zh-CN" dirty="0"/>
+              <a:t>(</a:t>
+            </a:r>
+            <a:r>
+              <a:rPr lang="zh-CN" altLang="en-US" dirty="0"/>
+              <a:t>硬件</a:t>
+            </a:r>
+            <a:r>
+              <a:rPr lang="en-US" altLang="zh-CN" dirty="0"/>
+              <a:t>)</a:t>
+            </a:r>
+            <a:r>
+              <a:rPr lang="zh-CN" altLang="en-US" dirty="0"/>
+              <a:t>每隔几毫秒产生一次中断</a:t>
+            </a:r>
+            <a:endParaRPr lang="en-US" altLang="zh-CN" dirty="0"/>
+          </a:p>
+          <a:p>
+            <a:pPr lvl="1"/>
+            <a:r>
+              <a:rPr lang="zh-CN" altLang="en-US" dirty="0"/>
+              <a:t>产生中断时</a:t>
+            </a:r>
+            <a:r>
+              <a:rPr lang="en-US" altLang="zh-CN" dirty="0"/>
+              <a:t>CPU</a:t>
+            </a:r>
+            <a:r>
+              <a:rPr lang="zh-CN" altLang="en-US" dirty="0"/>
+              <a:t>会跳转到预先配置的中断处理程序</a:t>
+            </a:r>
+            <a:r>
+              <a:rPr lang="en-US" altLang="zh-CN" dirty="0"/>
+              <a:t>(interrupt handler)</a:t>
+            </a:r>
+          </a:p>
+          <a:p>
+            <a:pPr lvl="1"/>
+            <a:r>
+              <a:rPr lang="zh-CN" altLang="en-US" dirty="0"/>
+              <a:t>操作系统重新获得</a:t>
+            </a:r>
+            <a:r>
+              <a:rPr lang="en-US" altLang="zh-CN" dirty="0"/>
+              <a:t>CPU</a:t>
+            </a:r>
+            <a:r>
+              <a:rPr lang="zh-CN" altLang="en-US" dirty="0"/>
+              <a:t>控制权</a:t>
+            </a:r>
+          </a:p>
+        </p:txBody>
+      </p:sp>
+      <p:sp>
+        <p:nvSpPr>
+          <p:cNvPr id="4" name="灯片编号占位符 3">
+            <a:extLst>
+              <a:ext uri="{FF2B5EF4-FFF2-40B4-BE49-F238E27FC236}">
+                <a16:creationId xmlns:a16="http://schemas.microsoft.com/office/drawing/2014/main" id="{964E34DC-7C27-23F9-6A2E-D13336A9F94B}"/>
+              </a:ext>
+            </a:extLst>
+          </p:cNvPr>
+          <p:cNvSpPr>
+            <a:spLocks noGrp="1"/>
+          </p:cNvSpPr>
+          <p:nvPr>
+            <p:ph type="sldNum" sz="quarter" idx="12"/>
+          </p:nvPr>
+        </p:nvSpPr>
+        <p:spPr/>
+        <p:txBody>
+          <a:bodyPr/>
+          <a:lstStyle/>
+          <a:p>
+            <a:r>
+              <a:rPr lang="zh-CN" altLang="en-US" dirty="0"/>
+              <a:t>计算机操作系统                     </a:t>
+            </a:r>
+            <a:fld id="{2109AC4C-C6B9-4211-8A17-43C623583010}" type="slidenum">
+              <a:rPr lang="zh-CN" altLang="en-US" smtClean="0"/>
+              <a:pPr/>
+              <a:t>17</a:t>
+            </a:fld>
+            <a:endParaRPr lang="zh-CN" altLang="en-US" dirty="0"/>
+          </a:p>
+        </p:txBody>
+      </p:sp>
+    </p:spTree>
+    <p:extLst>
+      <p:ext uri="{BB962C8B-B14F-4D97-AF65-F5344CB8AC3E}">
+        <p14:creationId xmlns:p14="http://schemas.microsoft.com/office/powerpoint/2010/main" val="781335555"/>
+      </p:ext>
+    </p:extLst>
+  </p:cSld>
+  <p:clrMapOvr>
+    <a:masterClrMapping/>
+  </p:clrMapOvr>
+</p:sld>
+</file>
+
+<file path=ppt/slides/slide18.xml><?xml version="1.0" encoding="utf-8"?>
+<p:sld xmlns:a="http://schemas.openxmlformats.org/drawingml/2006/main" xmlns:r="http://schemas.openxmlformats.org/officeDocument/2006/relationships" xmlns:p="http://schemas.openxmlformats.org/presentationml/2006/main">
+  <p:cSld>
+    <p:spTree>
+      <p:nvGrpSpPr>
+        <p:cNvPr id="1" name=""/>
+        <p:cNvGrpSpPr/>
+        <p:nvPr/>
+      </p:nvGrpSpPr>
+      <p:grpSpPr>
+        <a:xfrm>
+          <a:off x="0" y="0"/>
+          <a:ext cx="0" cy="0"/>
+          <a:chOff x="0" y="0"/>
+          <a:chExt cx="0" cy="0"/>
+        </a:xfrm>
+      </p:grpSpPr>
+      <p:sp>
+        <p:nvSpPr>
+          <p:cNvPr id="2" name="标题 1">
+            <a:extLst>
+              <a:ext uri="{FF2B5EF4-FFF2-40B4-BE49-F238E27FC236}">
+                <a16:creationId xmlns:a16="http://schemas.microsoft.com/office/drawing/2014/main" id="{0B984801-F086-2834-D46C-054247CE567E}"/>
+              </a:ext>
+            </a:extLst>
+          </p:cNvPr>
+          <p:cNvSpPr>
+            <a:spLocks noGrp="1"/>
+          </p:cNvSpPr>
+          <p:nvPr>
+            <p:ph type="title"/>
+          </p:nvPr>
+        </p:nvSpPr>
+        <p:spPr/>
+        <p:txBody>
+          <a:bodyPr/>
+          <a:lstStyle/>
+          <a:p>
+            <a:r>
+              <a:rPr lang="zh-CN" altLang="en-US" dirty="0"/>
+              <a:t>问题</a:t>
+            </a:r>
+            <a:r>
+              <a:rPr lang="en-US" altLang="zh-CN" dirty="0"/>
+              <a:t>2</a:t>
+            </a:r>
+            <a:r>
+              <a:rPr lang="zh-CN" altLang="en-US" dirty="0"/>
+              <a:t>：在进程间切换</a:t>
+            </a:r>
+          </a:p>
+        </p:txBody>
+      </p:sp>
+      <p:sp>
+        <p:nvSpPr>
+          <p:cNvPr id="3" name="内容占位符 2">
+            <a:extLst>
+              <a:ext uri="{FF2B5EF4-FFF2-40B4-BE49-F238E27FC236}">
+                <a16:creationId xmlns:a16="http://schemas.microsoft.com/office/drawing/2014/main" id="{222A52C4-9021-4ED5-7F04-5A47AA57013F}"/>
+              </a:ext>
+            </a:extLst>
+          </p:cNvPr>
+          <p:cNvSpPr>
+            <a:spLocks noGrp="1"/>
+          </p:cNvSpPr>
+          <p:nvPr>
+            <p:ph idx="1"/>
+          </p:nvPr>
+        </p:nvSpPr>
+        <p:spPr/>
+        <p:txBody>
+          <a:bodyPr/>
+          <a:lstStyle/>
+          <a:p>
+            <a:r>
+              <a:rPr lang="zh-CN" altLang="en-US" dirty="0"/>
+              <a:t>保存和恢复上下文</a:t>
+            </a:r>
+            <a:endParaRPr lang="en-US" altLang="zh-CN" dirty="0"/>
+          </a:p>
+          <a:p>
+            <a:pPr lvl="1"/>
+            <a:r>
+              <a:rPr lang="en-US" altLang="zh-CN" dirty="0"/>
+              <a:t>OS</a:t>
+            </a:r>
+            <a:r>
+              <a:rPr lang="zh-CN" altLang="en-US" dirty="0"/>
+              <a:t>为当前执行的进程保存寄存器的值</a:t>
+            </a:r>
+            <a:r>
+              <a:rPr lang="en-US" altLang="zh-CN" dirty="0"/>
+              <a:t>(PC</a:t>
+            </a:r>
+            <a:r>
+              <a:rPr lang="zh-CN" altLang="en-US" dirty="0"/>
+              <a:t>、通用寄存器、内核栈指针</a:t>
+            </a:r>
+            <a:r>
+              <a:rPr lang="en-US" altLang="zh-CN" dirty="0"/>
+              <a:t>)</a:t>
+            </a:r>
+          </a:p>
+          <a:p>
+            <a:pPr lvl="1"/>
+            <a:r>
+              <a:rPr lang="en-US" altLang="zh-CN" dirty="0"/>
+              <a:t>OS</a:t>
+            </a:r>
+            <a:r>
+              <a:rPr lang="zh-CN" altLang="en-US" dirty="0"/>
+              <a:t>为即将执行的进程恢复寄存器的值</a:t>
+            </a:r>
+            <a:endParaRPr lang="en-US" altLang="zh-CN" dirty="0"/>
+          </a:p>
+          <a:p>
+            <a:endParaRPr lang="en-US" altLang="zh-CN" dirty="0"/>
+          </a:p>
+          <a:p>
+            <a:endParaRPr lang="zh-CN" altLang="en-US" dirty="0"/>
+          </a:p>
+        </p:txBody>
+      </p:sp>
+      <p:sp>
+        <p:nvSpPr>
+          <p:cNvPr id="4" name="灯片编号占位符 3">
+            <a:extLst>
+              <a:ext uri="{FF2B5EF4-FFF2-40B4-BE49-F238E27FC236}">
+                <a16:creationId xmlns:a16="http://schemas.microsoft.com/office/drawing/2014/main" id="{86113EB3-A169-B1B2-8311-1A10E9506C24}"/>
+              </a:ext>
+            </a:extLst>
+          </p:cNvPr>
+          <p:cNvSpPr>
+            <a:spLocks noGrp="1"/>
+          </p:cNvSpPr>
+          <p:nvPr>
+            <p:ph type="sldNum" sz="quarter" idx="12"/>
+          </p:nvPr>
+        </p:nvSpPr>
+        <p:spPr/>
+        <p:txBody>
+          <a:bodyPr/>
+          <a:lstStyle/>
+          <a:p>
+            <a:r>
+              <a:rPr lang="zh-CN" altLang="en-US" dirty="0"/>
+              <a:t>计算机操作系统                     </a:t>
+            </a:r>
+            <a:fld id="{2109AC4C-C6B9-4211-8A17-43C623583010}" type="slidenum">
+              <a:rPr lang="zh-CN" altLang="en-US" smtClean="0"/>
+              <a:pPr/>
+              <a:t>18</a:t>
+            </a:fld>
+            <a:endParaRPr lang="zh-CN" altLang="en-US" dirty="0"/>
+          </a:p>
+        </p:txBody>
+      </p:sp>
+    </p:spTree>
+    <p:extLst>
+      <p:ext uri="{BB962C8B-B14F-4D97-AF65-F5344CB8AC3E}">
+        <p14:creationId xmlns:p14="http://schemas.microsoft.com/office/powerpoint/2010/main" val="1797333993"/>
+      </p:ext>
+    </p:extLst>
+  </p:cSld>
+  <p:clrMapOvr>
+    <a:masterClrMapping/>
+  </p:clrMapOvr>
+</p:sld>
+</file>
+
+<file path=ppt/slides/slide19.xml><?xml version="1.0" encoding="utf-8"?>
+<p:sld xmlns:a="http://schemas.openxmlformats.org/drawingml/2006/main" xmlns:r="http://schemas.openxmlformats.org/officeDocument/2006/relationships" xmlns:p="http://schemas.openxmlformats.org/presentationml/2006/main">
+  <p:cSld>
+    <p:spTree>
+      <p:nvGrpSpPr>
+        <p:cNvPr id="1" name=""/>
+        <p:cNvGrpSpPr/>
+        <p:nvPr/>
+      </p:nvGrpSpPr>
+      <p:grpSpPr>
+        <a:xfrm>
+          <a:off x="0" y="0"/>
+          <a:ext cx="0" cy="0"/>
+          <a:chOff x="0" y="0"/>
+          <a:chExt cx="0" cy="0"/>
+        </a:xfrm>
+      </p:grpSpPr>
+      <p:sp>
+        <p:nvSpPr>
+          <p:cNvPr id="2" name="标题 1">
+            <a:extLst>
+              <a:ext uri="{FF2B5EF4-FFF2-40B4-BE49-F238E27FC236}">
+                <a16:creationId xmlns:a16="http://schemas.microsoft.com/office/drawing/2014/main" id="{312DD11A-F59F-D6FD-ED8F-90D1E6F92E0C}"/>
+              </a:ext>
+            </a:extLst>
+          </p:cNvPr>
+          <p:cNvSpPr>
+            <a:spLocks noGrp="1"/>
+          </p:cNvSpPr>
+          <p:nvPr>
+            <p:ph type="title"/>
+          </p:nvPr>
+        </p:nvSpPr>
+        <p:spPr/>
+        <p:txBody>
+          <a:bodyPr/>
+          <a:lstStyle/>
+          <a:p>
+            <a:r>
+              <a:rPr lang="zh-CN" altLang="en-US" dirty="0"/>
+              <a:t>问题</a:t>
+            </a:r>
+            <a:r>
+              <a:rPr lang="en-US" altLang="zh-CN" dirty="0"/>
+              <a:t>2</a:t>
+            </a:r>
+            <a:r>
+              <a:rPr lang="zh-CN" altLang="en-US" dirty="0"/>
+              <a:t>：在进程间切换</a:t>
+            </a:r>
+          </a:p>
+        </p:txBody>
+      </p:sp>
+      <p:sp>
+        <p:nvSpPr>
+          <p:cNvPr id="3" name="内容占位符 2">
+            <a:extLst>
+              <a:ext uri="{FF2B5EF4-FFF2-40B4-BE49-F238E27FC236}">
+                <a16:creationId xmlns:a16="http://schemas.microsoft.com/office/drawing/2014/main" id="{C9ABA061-D3E8-DF95-09D8-5BDC1183FEAA}"/>
+              </a:ext>
+            </a:extLst>
+          </p:cNvPr>
+          <p:cNvSpPr>
+            <a:spLocks noGrp="1"/>
+          </p:cNvSpPr>
+          <p:nvPr>
+            <p:ph idx="1"/>
+          </p:nvPr>
+        </p:nvSpPr>
+        <p:spPr/>
+        <p:txBody>
+          <a:bodyPr/>
+          <a:lstStyle/>
+          <a:p>
+            <a:r>
+              <a:rPr lang="zh-CN" altLang="en-US" dirty="0"/>
+              <a:t>进程切换</a:t>
+            </a:r>
+            <a:r>
+              <a:rPr lang="en-US" altLang="zh-CN" dirty="0"/>
+              <a:t>(</a:t>
+            </a:r>
+            <a:r>
+              <a:rPr lang="zh-CN" altLang="en-US" dirty="0"/>
+              <a:t>时钟中断</a:t>
+            </a:r>
+            <a:r>
+              <a:rPr lang="en-US" altLang="zh-CN" dirty="0"/>
+              <a:t>)</a:t>
+            </a:r>
+            <a:endParaRPr lang="zh-CN" altLang="en-US" dirty="0"/>
+          </a:p>
+        </p:txBody>
+      </p:sp>
+      <p:sp>
+        <p:nvSpPr>
+          <p:cNvPr id="4" name="灯片编号占位符 3">
+            <a:extLst>
+              <a:ext uri="{FF2B5EF4-FFF2-40B4-BE49-F238E27FC236}">
+                <a16:creationId xmlns:a16="http://schemas.microsoft.com/office/drawing/2014/main" id="{C90265CE-5460-C614-995C-FF0C10605AAC}"/>
+              </a:ext>
+            </a:extLst>
+          </p:cNvPr>
+          <p:cNvSpPr>
+            <a:spLocks noGrp="1"/>
+          </p:cNvSpPr>
+          <p:nvPr>
+            <p:ph type="sldNum" sz="quarter" idx="12"/>
+          </p:nvPr>
+        </p:nvSpPr>
+        <p:spPr/>
+        <p:txBody>
+          <a:bodyPr/>
+          <a:lstStyle/>
+          <a:p>
+            <a:r>
+              <a:rPr lang="zh-CN" altLang="en-US"/>
+              <a:t>计算机操作系统                     </a:t>
+            </a:r>
+            <a:fld id="{2109AC4C-C6B9-4211-8A17-43C623583010}" type="slidenum">
+              <a:rPr lang="zh-CN" altLang="en-US" smtClean="0"/>
+              <a:pPr/>
+              <a:t>19</a:t>
             </a:fld>
             <a:endParaRPr lang="zh-CN" altLang="en-US" dirty="0"/>
           </a:p>
@@ -5724,7 +6750,7 @@
           <p:cNvPr id="2" name="标题 1">
             <a:extLst>
               <a:ext uri="{FF2B5EF4-FFF2-40B4-BE49-F238E27FC236}">
-                <a16:creationId xmlns:a16="http://schemas.microsoft.com/office/drawing/2014/main" id="{E5FFB525-CB7B-A9CF-5A3F-21222EFE2C99}"/>
+                <a16:creationId xmlns:a16="http://schemas.microsoft.com/office/drawing/2014/main" id="{9F774535-C102-8C3B-6D33-A664CF5B8D72}"/>
               </a:ext>
             </a:extLst>
           </p:cNvPr>
@@ -5760,7 +6786,7 @@
           <p:cNvPr id="3" name="内容占位符 2">
             <a:extLst>
               <a:ext uri="{FF2B5EF4-FFF2-40B4-BE49-F238E27FC236}">
-                <a16:creationId xmlns:a16="http://schemas.microsoft.com/office/drawing/2014/main" id="{61E66EC1-44CC-C1B0-B407-E87FE94D936C}"/>
+                <a16:creationId xmlns:a16="http://schemas.microsoft.com/office/drawing/2014/main" id="{F28F047E-E271-E27C-855C-5EE328DE14B8}"/>
               </a:ext>
             </a:extLst>
           </p:cNvPr>
@@ -5777,93 +6803,13 @@
           <a:lstStyle/>
           <a:p>
             <a:r>
-              <a:rPr lang="zh-CN" altLang="en-US" dirty="0"/>
-              <a:t>进入内核模式的几种情况</a:t>
-            </a:r>
-            <a:endParaRPr lang="en-US" altLang="zh-CN" dirty="0"/>
-          </a:p>
-          <a:p>
-            <a:pPr lvl="1"/>
-            <a:r>
-              <a:rPr lang="zh-CN" altLang="en-US" dirty="0"/>
-              <a:t>系统调用</a:t>
-            </a:r>
-            <a:endParaRPr lang="en-US" altLang="zh-CN" dirty="0"/>
-          </a:p>
-          <a:p>
-            <a:pPr lvl="2"/>
-            <a:r>
-              <a:rPr lang="zh-CN" altLang="en-US" dirty="0"/>
-              <a:t>例如</a:t>
-            </a:r>
-            <a:r>
-              <a:rPr lang="en-US" altLang="zh-CN" dirty="0" err="1"/>
-              <a:t>open,fork</a:t>
-            </a:r>
-            <a:r>
-              <a:rPr lang="zh-CN" altLang="en-US" dirty="0"/>
-              <a:t>等</a:t>
-            </a:r>
-            <a:endParaRPr lang="en-US" altLang="zh-CN" dirty="0"/>
-          </a:p>
-          <a:p>
-            <a:pPr lvl="1"/>
-            <a:r>
-              <a:rPr lang="zh-CN" altLang="en-US" dirty="0"/>
-              <a:t>硬件中断</a:t>
-            </a:r>
-            <a:endParaRPr lang="en-US" altLang="zh-CN" dirty="0"/>
-          </a:p>
-          <a:p>
-            <a:pPr lvl="2"/>
-            <a:r>
-              <a:rPr lang="zh-CN" altLang="en-US" dirty="0"/>
-              <a:t>外部设备需要</a:t>
-            </a:r>
-            <a:r>
               <a:rPr lang="en-US" altLang="zh-CN" dirty="0"/>
-              <a:t>CPU</a:t>
-            </a:r>
-            <a:r>
-              <a:rPr lang="zh-CN" altLang="en-US" dirty="0"/>
-              <a:t>注意时，会发送一个硬件中断信号给</a:t>
-            </a:r>
-            <a:r>
-              <a:rPr lang="en-US" altLang="zh-CN" dirty="0"/>
-              <a:t>CPU</a:t>
-            </a:r>
-          </a:p>
-          <a:p>
-            <a:pPr lvl="1"/>
-            <a:r>
-              <a:rPr lang="zh-CN" altLang="en-US" dirty="0"/>
-              <a:t>异常</a:t>
-            </a:r>
-            <a:endParaRPr lang="en-US" altLang="zh-CN" dirty="0"/>
-          </a:p>
-          <a:p>
-            <a:pPr lvl="2"/>
-            <a:r>
-              <a:rPr lang="zh-CN" altLang="en-US" dirty="0"/>
-              <a:t>例如除数为零，访问无效内存地址</a:t>
-            </a:r>
-            <a:endParaRPr lang="en-US" altLang="zh-CN" dirty="0"/>
-          </a:p>
-          <a:p>
-            <a:pPr lvl="1"/>
-            <a:r>
-              <a:rPr lang="zh-CN" altLang="en-US" dirty="0"/>
-              <a:t>任务切换</a:t>
-            </a:r>
-            <a:endParaRPr lang="en-US" altLang="zh-CN" dirty="0"/>
-          </a:p>
-          <a:p>
-            <a:pPr lvl="2"/>
-            <a:r>
-              <a:rPr lang="zh-CN" altLang="en-US"/>
-              <a:t>不同进程之间切换</a:t>
-            </a:r>
-            <a:endParaRPr lang="zh-CN" altLang="en-US" dirty="0"/>
+              <a:t>read</a:t>
+            </a:r>
+            <a:r>
+              <a:rPr lang="zh-CN" altLang="en-US" dirty="0"/>
+              <a:t>系统调用执行过程</a:t>
+            </a:r>
           </a:p>
         </p:txBody>
       </p:sp>
@@ -5872,7 +6818,7 @@
           <p:cNvPr id="4" name="灯片编号占位符 3">
             <a:extLst>
               <a:ext uri="{FF2B5EF4-FFF2-40B4-BE49-F238E27FC236}">
-                <a16:creationId xmlns:a16="http://schemas.microsoft.com/office/drawing/2014/main" id="{D745277F-EB6B-7951-610B-42BD52A8E9DB}"/>
+                <a16:creationId xmlns:a16="http://schemas.microsoft.com/office/drawing/2014/main" id="{3F4327E5-EB7D-BBE8-2EA8-A63F175AF512}"/>
               </a:ext>
             </a:extLst>
           </p:cNvPr>
@@ -5901,10 +6847,40 @@
           </a:p>
         </p:txBody>
       </p:sp>
+      <p:pic>
+        <p:nvPicPr>
+          <p:cNvPr id="8" name="图片 7">
+            <a:extLst>
+              <a:ext uri="{FF2B5EF4-FFF2-40B4-BE49-F238E27FC236}">
+                <a16:creationId xmlns:a16="http://schemas.microsoft.com/office/drawing/2014/main" id="{DED7A3E6-091E-C4F7-D250-265920EFFFBE}"/>
+              </a:ext>
+            </a:extLst>
+          </p:cNvPr>
+          <p:cNvPicPr>
+            <a:picLocks noChangeAspect="1"/>
+          </p:cNvPicPr>
+          <p:nvPr/>
+        </p:nvPicPr>
+        <p:blipFill>
+          <a:blip r:embed="rId2"/>
+          <a:stretch>
+            <a:fillRect/>
+          </a:stretch>
+        </p:blipFill>
+        <p:spPr>
+          <a:xfrm>
+            <a:off x="5136252" y="537652"/>
+            <a:ext cx="5762625" cy="6105525"/>
+          </a:xfrm>
+          <a:prstGeom prst="rect">
+            <a:avLst/>
+          </a:prstGeom>
+        </p:spPr>
+      </p:pic>
     </p:spTree>
     <p:extLst>
       <p:ext uri="{BB962C8B-B14F-4D97-AF65-F5344CB8AC3E}">
-        <p14:creationId xmlns:p14="http://schemas.microsoft.com/office/powerpoint/2010/main" val="3087874542"/>
+        <p14:creationId xmlns:p14="http://schemas.microsoft.com/office/powerpoint/2010/main" val="3561786835"/>
       </p:ext>
     </p:extLst>
   </p:cSld>
@@ -5936,7 +6912,7 @@
           <p:cNvPr id="2" name="标题 1">
             <a:extLst>
               <a:ext uri="{FF2B5EF4-FFF2-40B4-BE49-F238E27FC236}">
-                <a16:creationId xmlns:a16="http://schemas.microsoft.com/office/drawing/2014/main" id="{236586EE-F1AC-2D1B-F8D8-124F5BB696EB}"/>
+                <a16:creationId xmlns:a16="http://schemas.microsoft.com/office/drawing/2014/main" id="{6589E4A6-E94B-C6FE-3EE0-27B729311908}"/>
               </a:ext>
             </a:extLst>
           </p:cNvPr>
@@ -5972,7 +6948,7 @@
           <p:cNvPr id="3" name="内容占位符 2">
             <a:extLst>
               <a:ext uri="{FF2B5EF4-FFF2-40B4-BE49-F238E27FC236}">
-                <a16:creationId xmlns:a16="http://schemas.microsoft.com/office/drawing/2014/main" id="{3E1756A5-17D7-342F-1905-FE886B7EAEC5}"/>
+                <a16:creationId xmlns:a16="http://schemas.microsoft.com/office/drawing/2014/main" id="{8648DFEE-9395-5962-551A-3B5BC48E9C64}"/>
               </a:ext>
             </a:extLst>
           </p:cNvPr>
@@ -5989,120 +6965,13 @@
           <a:lstStyle/>
           <a:p>
             <a:r>
-              <a:rPr lang="zh-CN" altLang="en-US" dirty="0"/>
-              <a:t>如何让用户进程执行特权操作（例如磁盘</a:t>
-            </a:r>
-            <a:r>
               <a:rPr lang="en-US" altLang="zh-CN" dirty="0"/>
-              <a:t>I/O</a:t>
-            </a:r>
-            <a:r>
-              <a:rPr lang="zh-CN" altLang="en-US" dirty="0"/>
-              <a:t>）？</a:t>
-            </a:r>
-            <a:endParaRPr lang="en-US" altLang="zh-CN" dirty="0"/>
-          </a:p>
-          <a:p>
-            <a:r>
-              <a:rPr lang="zh-CN" altLang="en-US" dirty="0"/>
-              <a:t>答案是：系统调用</a:t>
-            </a:r>
-            <a:r>
-              <a:rPr lang="en-US" altLang="zh-CN" dirty="0"/>
-              <a:t>(OS</a:t>
-            </a:r>
-            <a:r>
-              <a:rPr lang="zh-CN" altLang="en-US" dirty="0"/>
-              <a:t>向用户进程提供的接口</a:t>
-            </a:r>
-            <a:r>
-              <a:rPr lang="en-US" altLang="zh-CN" dirty="0"/>
-              <a:t>)</a:t>
-            </a:r>
-          </a:p>
-          <a:p>
-            <a:pPr lvl="1"/>
-            <a:r>
-              <a:rPr lang="zh-CN" altLang="en-US" dirty="0"/>
-              <a:t>要执行系统调用，程序必须执行</a:t>
-            </a:r>
-            <a:r>
-              <a:rPr lang="zh-CN" altLang="en-US" dirty="0">
-                <a:solidFill>
-                  <a:srgbClr val="FF0000"/>
-                </a:solidFill>
-              </a:rPr>
-              <a:t>陷阱</a:t>
-            </a:r>
-            <a:r>
-              <a:rPr lang="en-US" altLang="zh-CN" dirty="0">
-                <a:solidFill>
-                  <a:srgbClr val="FF0000"/>
-                </a:solidFill>
-              </a:rPr>
-              <a:t>(trap)</a:t>
-            </a:r>
-            <a:r>
-              <a:rPr lang="zh-CN" altLang="en-US" dirty="0"/>
-              <a:t>指令</a:t>
-            </a:r>
-            <a:endParaRPr lang="en-US" altLang="zh-CN" dirty="0"/>
-          </a:p>
-          <a:p>
-            <a:pPr lvl="1"/>
-            <a:r>
-              <a:rPr lang="zh-CN" altLang="en-US" dirty="0"/>
-              <a:t>通过陷阱指令可以跳入</a:t>
-            </a:r>
-            <a:r>
-              <a:rPr lang="en-US" altLang="zh-CN" dirty="0"/>
-              <a:t>(</a:t>
-            </a:r>
-            <a:r>
-              <a:rPr lang="zh-CN" altLang="en-US" dirty="0"/>
-              <a:t>陷入</a:t>
-            </a:r>
-            <a:r>
-              <a:rPr lang="en-US" altLang="zh-CN" dirty="0"/>
-              <a:t>)</a:t>
-            </a:r>
-            <a:r>
-              <a:rPr lang="zh-CN" altLang="en-US" dirty="0"/>
-              <a:t>内核，并将特权级别提升到“内核模式”</a:t>
-            </a:r>
-            <a:endParaRPr lang="en-US" altLang="zh-CN" dirty="0"/>
-          </a:p>
-          <a:p>
-            <a:pPr lvl="1"/>
-            <a:r>
-              <a:rPr lang="zh-CN" altLang="en-US" dirty="0"/>
-              <a:t>内核模式下执行一些特权操作（磁盘</a:t>
-            </a:r>
-            <a:r>
-              <a:rPr lang="en-US" altLang="zh-CN" dirty="0"/>
-              <a:t>I/O</a:t>
-            </a:r>
-            <a:r>
-              <a:rPr lang="zh-CN" altLang="en-US" dirty="0"/>
-              <a:t>、创建销毁进程、进程通信、分配更多内存等）</a:t>
-            </a:r>
-            <a:endParaRPr lang="en-US" altLang="zh-CN" dirty="0"/>
-          </a:p>
-          <a:p>
-            <a:pPr lvl="1"/>
-            <a:r>
-              <a:rPr lang="zh-CN" altLang="en-US" dirty="0"/>
-              <a:t>完成后，</a:t>
-            </a:r>
-            <a:r>
-              <a:rPr lang="en-US" altLang="zh-CN" dirty="0"/>
-              <a:t>OS</a:t>
-            </a:r>
-            <a:r>
-              <a:rPr lang="zh-CN" altLang="en-US" dirty="0"/>
-              <a:t>调用一个特殊的从陷阱返回的指令，回到用户程序，同时降低权限，回到“用户模式”</a:t>
-            </a:r>
-            <a:endParaRPr lang="en-US" altLang="zh-CN" dirty="0"/>
+              <a:t>read</a:t>
+            </a:r>
+            <a:r>
+              <a:rPr lang="zh-CN" altLang="en-US" dirty="0"/>
+              <a:t>系统调用执行过程</a:t>
+            </a:r>
           </a:p>
           <a:p>
             <a:endParaRPr lang="zh-CN" altLang="en-US" dirty="0"/>
@@ -6114,7 +6983,7 @@
           <p:cNvPr id="4" name="灯片编号占位符 3">
             <a:extLst>
               <a:ext uri="{FF2B5EF4-FFF2-40B4-BE49-F238E27FC236}">
-                <a16:creationId xmlns:a16="http://schemas.microsoft.com/office/drawing/2014/main" id="{5AA16E2C-DCC5-F1C8-9B83-E30D07B3EF13}"/>
+                <a16:creationId xmlns:a16="http://schemas.microsoft.com/office/drawing/2014/main" id="{5428CE98-0638-6AE5-B41E-B0FFFB8DF0E3}"/>
               </a:ext>
             </a:extLst>
           </p:cNvPr>
@@ -6131,7 +7000,7 @@
           <a:lstStyle/>
           <a:p>
             <a:r>
-              <a:rPr lang="zh-CN" altLang="en-US" dirty="0"/>
+              <a:rPr lang="zh-CN" altLang="en-US"/>
               <a:t>计算机操作系统                     </a:t>
             </a:r>
             <a:fld id="{2109AC4C-C6B9-4211-8A17-43C623583010}" type="slidenum">
@@ -6148,7 +7017,7 @@
           <p:cNvPr id="6" name="图片 5">
             <a:extLst>
               <a:ext uri="{FF2B5EF4-FFF2-40B4-BE49-F238E27FC236}">
-                <a16:creationId xmlns:a16="http://schemas.microsoft.com/office/drawing/2014/main" id="{367C5E05-5767-B40E-CF24-7CDC380A8D51}"/>
+                <a16:creationId xmlns:a16="http://schemas.microsoft.com/office/drawing/2014/main" id="{7335BF35-771C-76AA-3EEA-58483A96B96B}"/>
               </a:ext>
             </a:extLst>
           </p:cNvPr>
@@ -6165,8 +7034,38 @@
         </p:blipFill>
         <p:spPr>
           <a:xfrm>
-            <a:off x="1003024" y="4848389"/>
-            <a:ext cx="8953500" cy="1819275"/>
+            <a:off x="5598836" y="714539"/>
+            <a:ext cx="4638675" cy="3305175"/>
+          </a:xfrm>
+          <a:prstGeom prst="rect">
+            <a:avLst/>
+          </a:prstGeom>
+        </p:spPr>
+      </p:pic>
+      <p:pic>
+        <p:nvPicPr>
+          <p:cNvPr id="11" name="图片 10">
+            <a:extLst>
+              <a:ext uri="{FF2B5EF4-FFF2-40B4-BE49-F238E27FC236}">
+                <a16:creationId xmlns:a16="http://schemas.microsoft.com/office/drawing/2014/main" id="{00DB2EF6-00CC-97D5-3A78-26308EC6D3C1}"/>
+              </a:ext>
+            </a:extLst>
+          </p:cNvPr>
+          <p:cNvPicPr>
+            <a:picLocks noChangeAspect="1"/>
+          </p:cNvPicPr>
+          <p:nvPr/>
+        </p:nvPicPr>
+        <p:blipFill>
+          <a:blip r:embed="rId3"/>
+          <a:stretch>
+            <a:fillRect/>
+          </a:stretch>
+        </p:blipFill>
+        <p:spPr>
+          <a:xfrm>
+            <a:off x="619539" y="4152736"/>
+            <a:ext cx="8991600" cy="1990725"/>
           </a:xfrm>
           <a:prstGeom prst="rect">
             <a:avLst/>
@@ -6176,7 +7075,7 @@
     </p:spTree>
     <p:extLst>
       <p:ext uri="{BB962C8B-B14F-4D97-AF65-F5344CB8AC3E}">
-        <p14:creationId xmlns:p14="http://schemas.microsoft.com/office/powerpoint/2010/main" val="2766239960"/>
+        <p14:creationId xmlns:p14="http://schemas.microsoft.com/office/powerpoint/2010/main" val="452023228"/>
       </p:ext>
     </p:extLst>
   </p:cSld>
@@ -6208,7 +7107,7 @@
           <p:cNvPr id="2" name="标题 1">
             <a:extLst>
               <a:ext uri="{FF2B5EF4-FFF2-40B4-BE49-F238E27FC236}">
-                <a16:creationId xmlns:a16="http://schemas.microsoft.com/office/drawing/2014/main" id="{7470338C-A855-34D7-73F8-5E9361F95063}"/>
+                <a16:creationId xmlns:a16="http://schemas.microsoft.com/office/drawing/2014/main" id="{972FD99D-41A2-57AA-ADF1-DA921608B124}"/>
               </a:ext>
             </a:extLst>
           </p:cNvPr>
@@ -6244,7 +7143,7 @@
           <p:cNvPr id="3" name="内容占位符 2">
             <a:extLst>
               <a:ext uri="{FF2B5EF4-FFF2-40B4-BE49-F238E27FC236}">
-                <a16:creationId xmlns:a16="http://schemas.microsoft.com/office/drawing/2014/main" id="{D7F92952-524D-CBF2-BF05-1B774B6F43A5}"/>
+                <a16:creationId xmlns:a16="http://schemas.microsoft.com/office/drawing/2014/main" id="{82856A36-A1F1-246B-3235-E4DA15A159B4}"/>
               </a:ext>
             </a:extLst>
           </p:cNvPr>
@@ -6260,46 +7159,7 @@
           <a:bodyPr/>
           <a:lstStyle/>
           <a:p>
-            <a:r>
-              <a:rPr lang="en-US" altLang="zh-CN" dirty="0"/>
-              <a:t>OS</a:t>
-            </a:r>
-            <a:r>
-              <a:rPr lang="zh-CN" altLang="en-US" dirty="0"/>
-              <a:t>在启动时设置陷阱表</a:t>
-            </a:r>
-            <a:r>
-              <a:rPr lang="en-US" altLang="zh-CN" dirty="0"/>
-              <a:t>(trap table)</a:t>
-            </a:r>
-          </a:p>
-          <a:p>
-            <a:pPr lvl="1"/>
-            <a:r>
-              <a:rPr lang="en-US" altLang="zh-CN" dirty="0"/>
-              <a:t>OS</a:t>
-            </a:r>
-            <a:r>
-              <a:rPr lang="zh-CN" altLang="en-US" dirty="0"/>
-              <a:t>告诉硬件</a:t>
-            </a:r>
-            <a:r>
-              <a:rPr lang="en-US" altLang="zh-CN" dirty="0"/>
-              <a:t>(CPU)</a:t>
-            </a:r>
-            <a:r>
-              <a:rPr lang="zh-CN" altLang="en-US" dirty="0"/>
-              <a:t>当发生异常事件时应该运行哪些代码</a:t>
-            </a:r>
-            <a:endParaRPr lang="en-US" altLang="zh-CN" dirty="0"/>
-          </a:p>
-          <a:p>
-            <a:pPr lvl="1"/>
-            <a:r>
-              <a:rPr lang="zh-CN" altLang="en-US" dirty="0"/>
-              <a:t>异常事件：硬盘中断、键盘中断、系统调用等</a:t>
-            </a:r>
-            <a:endParaRPr lang="en-US" altLang="zh-CN" dirty="0"/>
+            <a:endParaRPr lang="zh-CN" altLang="en-US"/>
           </a:p>
         </p:txBody>
       </p:sp>
@@ -6308,7 +7168,7 @@
           <p:cNvPr id="4" name="灯片编号占位符 3">
             <a:extLst>
               <a:ext uri="{FF2B5EF4-FFF2-40B4-BE49-F238E27FC236}">
-                <a16:creationId xmlns:a16="http://schemas.microsoft.com/office/drawing/2014/main" id="{24652815-5F77-8ADF-CB67-9F85188150A3}"/>
+                <a16:creationId xmlns:a16="http://schemas.microsoft.com/office/drawing/2014/main" id="{66BB0348-B9BB-6E3A-9A66-30327AA1B8AA}"/>
               </a:ext>
             </a:extLst>
           </p:cNvPr>
@@ -6325,7 +7185,7 @@
           <a:lstStyle/>
           <a:p>
             <a:r>
-              <a:rPr lang="zh-CN" altLang="en-US" dirty="0"/>
+              <a:rPr lang="zh-CN" altLang="en-US"/>
               <a:t>计算机操作系统                     </a:t>
             </a:r>
             <a:fld id="{2109AC4C-C6B9-4211-8A17-43C623583010}" type="slidenum">
@@ -6342,7 +7202,7 @@
           <p:cNvPr id="6" name="图片 5">
             <a:extLst>
               <a:ext uri="{FF2B5EF4-FFF2-40B4-BE49-F238E27FC236}">
-                <a16:creationId xmlns:a16="http://schemas.microsoft.com/office/drawing/2014/main" id="{D8C4D350-9A2E-51C3-4EB7-9F247D819A5B}"/>
+                <a16:creationId xmlns:a16="http://schemas.microsoft.com/office/drawing/2014/main" id="{32746B43-DF31-0A1B-84F7-21D023A82CF2}"/>
               </a:ext>
             </a:extLst>
           </p:cNvPr>
@@ -6359,8 +7219,8 @@
         </p:blipFill>
         <p:spPr>
           <a:xfrm>
-            <a:off x="511336" y="3075318"/>
-            <a:ext cx="7588640" cy="1587582"/>
+            <a:off x="351803" y="849795"/>
+            <a:ext cx="9248775" cy="4495800"/>
           </a:xfrm>
           <a:prstGeom prst="rect">
             <a:avLst/>
@@ -6370,7 +7230,7 @@
     </p:spTree>
     <p:extLst>
       <p:ext uri="{BB962C8B-B14F-4D97-AF65-F5344CB8AC3E}">
-        <p14:creationId xmlns:p14="http://schemas.microsoft.com/office/powerpoint/2010/main" val="4113263382"/>
+        <p14:creationId xmlns:p14="http://schemas.microsoft.com/office/powerpoint/2010/main" val="661415469"/>
       </p:ext>
     </p:extLst>
   </p:cSld>
@@ -6402,7 +7262,7 @@
           <p:cNvPr id="2" name="标题 1">
             <a:extLst>
               <a:ext uri="{FF2B5EF4-FFF2-40B4-BE49-F238E27FC236}">
-                <a16:creationId xmlns:a16="http://schemas.microsoft.com/office/drawing/2014/main" id="{FF87BB08-F9C3-AA6F-4FFD-05BFCDA54866}"/>
+                <a16:creationId xmlns:a16="http://schemas.microsoft.com/office/drawing/2014/main" id="{2B76BCE0-2CBF-0603-BA0D-ABFAF08BF9CF}"/>
               </a:ext>
             </a:extLst>
           </p:cNvPr>
@@ -6438,7 +7298,7 @@
           <p:cNvPr id="3" name="内容占位符 2">
             <a:extLst>
               <a:ext uri="{FF2B5EF4-FFF2-40B4-BE49-F238E27FC236}">
-                <a16:creationId xmlns:a16="http://schemas.microsoft.com/office/drawing/2014/main" id="{A4E3CF8A-50FA-3790-9F44-7EDA173E14E0}"/>
+                <a16:creationId xmlns:a16="http://schemas.microsoft.com/office/drawing/2014/main" id="{2DDDC7BF-D09F-FF4A-A8B8-78F05DD2B2BE}"/>
               </a:ext>
             </a:extLst>
           </p:cNvPr>
@@ -6454,10 +7314,7 @@
           <a:bodyPr/>
           <a:lstStyle/>
           <a:p>
-            <a:r>
-              <a:rPr lang="zh-CN" altLang="en-US" dirty="0"/>
-              <a:t>受限直接运行的实例</a:t>
-            </a:r>
+            <a:endParaRPr lang="zh-CN" altLang="en-US"/>
           </a:p>
         </p:txBody>
       </p:sp>
@@ -6466,7 +7323,7 @@
           <p:cNvPr id="4" name="灯片编号占位符 3">
             <a:extLst>
               <a:ext uri="{FF2B5EF4-FFF2-40B4-BE49-F238E27FC236}">
-                <a16:creationId xmlns:a16="http://schemas.microsoft.com/office/drawing/2014/main" id="{04CDBBC5-14A2-A967-0D33-8906DA78ABDD}"/>
+                <a16:creationId xmlns:a16="http://schemas.microsoft.com/office/drawing/2014/main" id="{480DB561-5087-D1B0-9219-678C8F12AE18}"/>
               </a:ext>
             </a:extLst>
           </p:cNvPr>
@@ -6483,7 +7340,7 @@
           <a:lstStyle/>
           <a:p>
             <a:r>
-              <a:rPr lang="zh-CN" altLang="en-US" dirty="0"/>
+              <a:rPr lang="zh-CN" altLang="en-US"/>
               <a:t>计算机操作系统                     </a:t>
             </a:r>
             <a:fld id="{2109AC4C-C6B9-4211-8A17-43C623583010}" type="slidenum">
@@ -6500,7 +7357,7 @@
           <p:cNvPr id="6" name="图片 5">
             <a:extLst>
               <a:ext uri="{FF2B5EF4-FFF2-40B4-BE49-F238E27FC236}">
-                <a16:creationId xmlns:a16="http://schemas.microsoft.com/office/drawing/2014/main" id="{B395288B-9B27-9EAC-210F-0B0AC1075968}"/>
+                <a16:creationId xmlns:a16="http://schemas.microsoft.com/office/drawing/2014/main" id="{3CBC6D89-5376-D0D9-91AA-593DFFAC5526}"/>
               </a:ext>
             </a:extLst>
           </p:cNvPr>
@@ -6517,8 +7374,8 @@
         </p:blipFill>
         <p:spPr>
           <a:xfrm>
-            <a:off x="4537860" y="762712"/>
-            <a:ext cx="5430208" cy="5332576"/>
+            <a:off x="358631" y="793898"/>
+            <a:ext cx="7127707" cy="5454502"/>
           </a:xfrm>
           <a:prstGeom prst="rect">
             <a:avLst/>
@@ -6528,7 +7385,7 @@
     </p:spTree>
     <p:extLst>
       <p:ext uri="{BB962C8B-B14F-4D97-AF65-F5344CB8AC3E}">
-        <p14:creationId xmlns:p14="http://schemas.microsoft.com/office/powerpoint/2010/main" val="2111722282"/>
+        <p14:creationId xmlns:p14="http://schemas.microsoft.com/office/powerpoint/2010/main" val="2089086195"/>
       </p:ext>
     </p:extLst>
   </p:cSld>

--- a/ppt/2_进程切换.pptx
+++ b/ppt/2_进程切换.pptx
@@ -233,7 +233,7 @@
           <a:p>
             <a:fld id="{25239B2F-0F50-4DD2-AFF0-5AD65435FA39}" type="datetimeFigureOut">
               <a:rPr lang="zh-CN" altLang="en-US" smtClean="0"/>
-              <a:t>2025/03/09</a:t>
+              <a:t>2025/03/17</a:t>
             </a:fld>
             <a:endParaRPr lang="zh-CN" altLang="en-US"/>
           </a:p>
@@ -411,7 +411,7 @@
           <a:p>
             <a:fld id="{F3F10C42-C15F-4A21-90B7-1EA21CFD4452}" type="datetimeFigureOut">
               <a:rPr lang="zh-CN" altLang="en-US" smtClean="0"/>
-              <a:t>2025/03/09</a:t>
+              <a:t>2025/03/17</a:t>
             </a:fld>
             <a:endParaRPr lang="zh-CN" altLang="en-US"/>
           </a:p>
@@ -1014,7 +1014,7 @@
           <a:p>
             <a:fld id="{AE214366-5FB2-49C3-BB65-B979D2FAD098}" type="datetime1">
               <a:rPr lang="zh-CN" altLang="en-US" smtClean="0"/>
-              <a:t>2025/03/09</a:t>
+              <a:t>2025/03/17</a:t>
             </a:fld>
             <a:endParaRPr lang="zh-CN" altLang="en-US"/>
           </a:p>
@@ -1222,7 +1222,7 @@
           <a:p>
             <a:fld id="{04BC6C44-F673-46E9-8025-7385D4D32FDE}" type="datetime1">
               <a:rPr lang="zh-CN" altLang="en-US" smtClean="0"/>
-              <a:t>2025/03/09</a:t>
+              <a:t>2025/03/17</a:t>
             </a:fld>
             <a:endParaRPr lang="zh-CN" altLang="en-US"/>
           </a:p>
@@ -1766,7 +1766,7 @@
           <a:p>
             <a:fld id="{2B70573D-5408-47A7-B81F-E30CA5085A27}" type="datetime1">
               <a:rPr lang="zh-CN" altLang="en-US" smtClean="0"/>
-              <a:t>2025/03/09</a:t>
+              <a:t>2025/03/17</a:t>
             </a:fld>
             <a:endParaRPr lang="zh-CN" altLang="en-US"/>
           </a:p>
@@ -2031,7 +2031,7 @@
           <a:p>
             <a:fld id="{62468019-71FB-4D17-9B3C-F6A5314A34D2}" type="datetime1">
               <a:rPr lang="zh-CN" altLang="en-US" smtClean="0"/>
-              <a:t>2025/03/09</a:t>
+              <a:t>2025/03/17</a:t>
             </a:fld>
             <a:endParaRPr lang="zh-CN" altLang="en-US"/>
           </a:p>
@@ -2443,7 +2443,7 @@
           <a:p>
             <a:fld id="{4AB419BE-49FF-45D0-B257-7BC605413B3A}" type="datetime1">
               <a:rPr lang="zh-CN" altLang="en-US" smtClean="0"/>
-              <a:t>2025/03/09</a:t>
+              <a:t>2025/03/17</a:t>
             </a:fld>
             <a:endParaRPr lang="zh-CN" altLang="en-US"/>
           </a:p>
@@ -2584,7 +2584,7 @@
           <a:p>
             <a:fld id="{6319E9FC-0AA5-46B6-8E94-55EADC6DCFFF}" type="datetime1">
               <a:rPr lang="zh-CN" altLang="en-US" smtClean="0"/>
-              <a:t>2025/03/09</a:t>
+              <a:t>2025/03/17</a:t>
             </a:fld>
             <a:endParaRPr lang="zh-CN" altLang="en-US"/>
           </a:p>
@@ -2697,7 +2697,7 @@
           <a:p>
             <a:fld id="{FCFA6577-5736-496A-8F6D-C0BE13E9BEE0}" type="datetime1">
               <a:rPr lang="zh-CN" altLang="en-US" smtClean="0"/>
-              <a:t>2025/03/09</a:t>
+              <a:t>2025/03/17</a:t>
             </a:fld>
             <a:endParaRPr lang="zh-CN" altLang="en-US"/>
           </a:p>
@@ -3008,7 +3008,7 @@
           <a:p>
             <a:fld id="{10D62EDE-3CF3-4C9B-9666-764136C001DF}" type="datetime1">
               <a:rPr lang="zh-CN" altLang="en-US" smtClean="0"/>
-              <a:t>2025/03/09</a:t>
+              <a:t>2025/03/17</a:t>
             </a:fld>
             <a:endParaRPr lang="zh-CN" altLang="en-US"/>
           </a:p>
@@ -3296,7 +3296,7 @@
           <a:p>
             <a:fld id="{E31DF0E5-AB3E-4E91-8924-10EB10A38894}" type="datetime1">
               <a:rPr lang="zh-CN" altLang="en-US" smtClean="0"/>
-              <a:t>2025/03/09</a:t>
+              <a:t>2025/03/17</a:t>
             </a:fld>
             <a:endParaRPr lang="zh-CN" altLang="en-US"/>
           </a:p>
@@ -3537,7 +3537,7 @@
           <a:p>
             <a:fld id="{2E8DB3C8-7D21-4109-A2E4-E02A745546D7}" type="datetime1">
               <a:rPr lang="zh-CN" altLang="en-US" smtClean="0"/>
-              <a:t>2025/03/09</a:t>
+              <a:t>2025/03/17</a:t>
             </a:fld>
             <a:endParaRPr lang="zh-CN" altLang="en-US"/>
           </a:p>
@@ -6707,14 +6707,96 @@
         </p:blipFill>
         <p:spPr>
           <a:xfrm>
-            <a:off x="2287601" y="3359341"/>
-            <a:ext cx="4132556" cy="2858117"/>
+            <a:off x="916001" y="3650890"/>
+            <a:ext cx="3318069" cy="2294810"/>
           </a:xfrm>
           <a:prstGeom prst="rect">
             <a:avLst/>
           </a:prstGeom>
         </p:spPr>
       </p:pic>
+      <p:pic>
+        <p:nvPicPr>
+          <p:cNvPr id="7" name="图片 6">
+            <a:extLst>
+              <a:ext uri="{FF2B5EF4-FFF2-40B4-BE49-F238E27FC236}">
+                <a16:creationId xmlns:a16="http://schemas.microsoft.com/office/drawing/2014/main" id="{ACD675B5-E62C-4ECA-7E9B-6913B0554BD3}"/>
+              </a:ext>
+            </a:extLst>
+          </p:cNvPr>
+          <p:cNvPicPr>
+            <a:picLocks noChangeAspect="1"/>
+          </p:cNvPicPr>
+          <p:nvPr/>
+        </p:nvPicPr>
+        <p:blipFill>
+          <a:blip r:embed="rId3"/>
+          <a:stretch>
+            <a:fillRect/>
+          </a:stretch>
+        </p:blipFill>
+        <p:spPr>
+          <a:xfrm>
+            <a:off x="4986545" y="3650890"/>
+            <a:ext cx="6452980" cy="2436602"/>
+          </a:xfrm>
+          <a:prstGeom prst="rect">
+            <a:avLst/>
+          </a:prstGeom>
+        </p:spPr>
+      </p:pic>
+      <p:sp>
+        <p:nvSpPr>
+          <p:cNvPr id="8" name="文本框 7">
+            <a:extLst>
+              <a:ext uri="{FF2B5EF4-FFF2-40B4-BE49-F238E27FC236}">
+                <a16:creationId xmlns:a16="http://schemas.microsoft.com/office/drawing/2014/main" id="{5F8D025B-7E82-09CC-3197-393325CA7F7C}"/>
+              </a:ext>
+            </a:extLst>
+          </p:cNvPr>
+          <p:cNvSpPr txBox="1"/>
+          <p:nvPr/>
+        </p:nvSpPr>
+        <p:spPr>
+          <a:xfrm>
+            <a:off x="5049078" y="3352801"/>
+            <a:ext cx="2861681" cy="369332"/>
+          </a:xfrm>
+          <a:prstGeom prst="rect">
+            <a:avLst/>
+          </a:prstGeom>
+          <a:noFill/>
+        </p:spPr>
+        <p:txBody>
+          <a:bodyPr wrap="none" rtlCol="0">
+            <a:spAutoFit/>
+          </a:bodyPr>
+          <a:lstStyle/>
+          <a:p>
+            <a:r>
+              <a:rPr lang="zh-CN" altLang="en-US" b="1" dirty="0">
+                <a:latin typeface="宋体" panose="02010600030101010101" pitchFamily="2" charset="-122"/>
+                <a:ea typeface="宋体" panose="02010600030101010101" pitchFamily="2" charset="-122"/>
+              </a:rPr>
+              <a:t>只能在</a:t>
+            </a:r>
+            <a:r>
+              <a:rPr lang="en-US" altLang="zh-CN" b="1" dirty="0">
+                <a:latin typeface="宋体" panose="02010600030101010101" pitchFamily="2" charset="-122"/>
+                <a:ea typeface="宋体" panose="02010600030101010101" pitchFamily="2" charset="-122"/>
+              </a:rPr>
+              <a:t>Ring0</a:t>
+            </a:r>
+            <a:r>
+              <a:rPr lang="zh-CN" altLang="en-US" b="1" dirty="0">
+                <a:latin typeface="宋体" panose="02010600030101010101" pitchFamily="2" charset="-122"/>
+                <a:ea typeface="宋体" panose="02010600030101010101" pitchFamily="2" charset="-122"/>
+              </a:rPr>
+              <a:t>下执行的操作</a:t>
+            </a:r>
+          </a:p>
+        </p:txBody>
+      </p:sp>
     </p:spTree>
     <p:extLst>
       <p:ext uri="{BB962C8B-B14F-4D97-AF65-F5344CB8AC3E}">
